--- a/schéma in silico 2.pptx
+++ b/schéma in silico 2.pptx
@@ -2,12 +2,13 @@
 <file path=ppt/presentation.xml><?xml version="1.0" encoding="utf-8"?>
 <p:presentation xmlns:a="http://schemas.openxmlformats.org/drawingml/2006/main" xmlns:r="http://schemas.openxmlformats.org/officeDocument/2006/relationships" xmlns:p="http://schemas.openxmlformats.org/presentationml/2006/main" saveSubsetFonts="1">
   <p:sldMasterIdLst>
-    <p:sldMasterId id="2147483672" r:id="rId1"/>
+    <p:sldMasterId id="2147483684" r:id="rId1"/>
   </p:sldMasterIdLst>
   <p:sldIdLst>
     <p:sldId id="256" r:id="rId2"/>
+    <p:sldId id="257" r:id="rId3"/>
   </p:sldIdLst>
-  <p:sldSz cx="8280400" cy="7199313"/>
+  <p:sldSz cx="7199313" cy="5759450"/>
   <p:notesSz cx="6858000" cy="9144000"/>
   <p:defaultTextStyle>
     <a:defPPr>
@@ -104,6 +105,11 @@
       </a:defRPr>
     </a:lvl9pPr>
   </p:defaultTextStyle>
+  <p:extLst>
+    <p:ext uri="{EFAFB233-063F-42B5-8137-9DF3F51BA10A}">
+      <p15:sldGuideLst xmlns:p15="http://schemas.microsoft.com/office/powerpoint/2012/main"/>
+    </p:ext>
+  </p:extLst>
 </p:presentation>
 </file>
 
@@ -136,15 +142,15 @@
         </p:nvSpPr>
         <p:spPr>
           <a:xfrm>
-            <a:off x="621030" y="1178222"/>
-            <a:ext cx="7038340" cy="2506427"/>
+            <a:off x="539949" y="942577"/>
+            <a:ext cx="6119416" cy="2005142"/>
           </a:xfrm>
         </p:spPr>
         <p:txBody>
           <a:bodyPr anchor="b"/>
           <a:lstStyle>
             <a:lvl1pPr algn="ctr">
-              <a:defRPr sz="5434"/>
+              <a:defRPr sz="4724"/>
             </a:lvl1pPr>
           </a:lstStyle>
           <a:p>
@@ -168,8 +174,8 @@
         </p:nvSpPr>
         <p:spPr>
           <a:xfrm>
-            <a:off x="1035050" y="3781306"/>
-            <a:ext cx="6210300" cy="1738167"/>
+            <a:off x="899914" y="3025045"/>
+            <a:ext cx="5399485" cy="1390533"/>
           </a:xfrm>
         </p:spPr>
         <p:txBody>
@@ -177,39 +183,39 @@
           <a:lstStyle>
             <a:lvl1pPr marL="0" indent="0" algn="ctr">
               <a:buNone/>
-              <a:defRPr sz="2173"/>
+              <a:defRPr sz="1890"/>
             </a:lvl1pPr>
-            <a:lvl2pPr marL="414040" indent="0" algn="ctr">
+            <a:lvl2pPr marL="359954" indent="0" algn="ctr">
               <a:buNone/>
-              <a:defRPr sz="1811"/>
+              <a:defRPr sz="1575"/>
             </a:lvl2pPr>
-            <a:lvl3pPr marL="828081" indent="0" algn="ctr">
+            <a:lvl3pPr marL="719907" indent="0" algn="ctr">
               <a:buNone/>
-              <a:defRPr sz="1630"/>
+              <a:defRPr sz="1417"/>
             </a:lvl3pPr>
-            <a:lvl4pPr marL="1242121" indent="0" algn="ctr">
+            <a:lvl4pPr marL="1079861" indent="0" algn="ctr">
               <a:buNone/>
-              <a:defRPr sz="1449"/>
+              <a:defRPr sz="1260"/>
             </a:lvl4pPr>
-            <a:lvl5pPr marL="1656161" indent="0" algn="ctr">
+            <a:lvl5pPr marL="1439814" indent="0" algn="ctr">
               <a:buNone/>
-              <a:defRPr sz="1449"/>
+              <a:defRPr sz="1260"/>
             </a:lvl5pPr>
-            <a:lvl6pPr marL="2070202" indent="0" algn="ctr">
+            <a:lvl6pPr marL="1799768" indent="0" algn="ctr">
               <a:buNone/>
-              <a:defRPr sz="1449"/>
+              <a:defRPr sz="1260"/>
             </a:lvl6pPr>
-            <a:lvl7pPr marL="2484242" indent="0" algn="ctr">
+            <a:lvl7pPr marL="2159721" indent="0" algn="ctr">
               <a:buNone/>
-              <a:defRPr sz="1449"/>
+              <a:defRPr sz="1260"/>
             </a:lvl7pPr>
-            <a:lvl8pPr marL="2898282" indent="0" algn="ctr">
+            <a:lvl8pPr marL="2519675" indent="0" algn="ctr">
               <a:buNone/>
-              <a:defRPr sz="1449"/>
+              <a:defRPr sz="1260"/>
             </a:lvl8pPr>
-            <a:lvl9pPr marL="3312323" indent="0" algn="ctr">
+            <a:lvl9pPr marL="2879628" indent="0" algn="ctr">
               <a:buNone/>
-              <a:defRPr sz="1449"/>
+              <a:defRPr sz="1260"/>
             </a:lvl9pPr>
           </a:lstStyle>
           <a:p>
@@ -238,7 +244,7 @@
           <a:p>
             <a:fld id="{CD0E6A7A-3030-4D8F-9B38-095AB434749D}" type="datetimeFigureOut">
               <a:rPr lang="fr-FR" smtClean="0"/>
-              <a:t>29/08/2023</a:t>
+              <a:t>05/09/2023</a:t>
             </a:fld>
             <a:endParaRPr lang="fr-FR"/>
           </a:p>
@@ -289,7 +295,7 @@
     </p:spTree>
     <p:extLst>
       <p:ext uri="{BB962C8B-B14F-4D97-AF65-F5344CB8AC3E}">
-        <p14:creationId xmlns:p14="http://schemas.microsoft.com/office/powerpoint/2010/main" val="1192698551"/>
+        <p14:creationId xmlns:p14="http://schemas.microsoft.com/office/powerpoint/2010/main" val="1500958783"/>
       </p:ext>
     </p:extLst>
   </p:cSld>
@@ -408,7 +414,7 @@
           <a:p>
             <a:fld id="{CD0E6A7A-3030-4D8F-9B38-095AB434749D}" type="datetimeFigureOut">
               <a:rPr lang="fr-FR" smtClean="0"/>
-              <a:t>29/08/2023</a:t>
+              <a:t>05/09/2023</a:t>
             </a:fld>
             <a:endParaRPr lang="fr-FR"/>
           </a:p>
@@ -459,7 +465,7 @@
     </p:spTree>
     <p:extLst>
       <p:ext uri="{BB962C8B-B14F-4D97-AF65-F5344CB8AC3E}">
-        <p14:creationId xmlns:p14="http://schemas.microsoft.com/office/powerpoint/2010/main" val="4035191862"/>
+        <p14:creationId xmlns:p14="http://schemas.microsoft.com/office/powerpoint/2010/main" val="1689235321"/>
       </p:ext>
     </p:extLst>
   </p:cSld>
@@ -498,8 +504,8 @@
         </p:nvSpPr>
         <p:spPr>
           <a:xfrm>
-            <a:off x="5925662" y="383297"/>
-            <a:ext cx="1785461" cy="6101085"/>
+            <a:off x="5152009" y="306637"/>
+            <a:ext cx="1552352" cy="4880868"/>
           </a:xfrm>
         </p:spPr>
         <p:txBody>
@@ -526,8 +532,8 @@
         </p:nvSpPr>
         <p:spPr>
           <a:xfrm>
-            <a:off x="569278" y="383297"/>
-            <a:ext cx="5252879" cy="6101085"/>
+            <a:off x="494953" y="306637"/>
+            <a:ext cx="4567064" cy="4880868"/>
           </a:xfrm>
         </p:spPr>
         <p:txBody>
@@ -588,7 +594,7 @@
           <a:p>
             <a:fld id="{CD0E6A7A-3030-4D8F-9B38-095AB434749D}" type="datetimeFigureOut">
               <a:rPr lang="fr-FR" smtClean="0"/>
-              <a:t>29/08/2023</a:t>
+              <a:t>05/09/2023</a:t>
             </a:fld>
             <a:endParaRPr lang="fr-FR"/>
           </a:p>
@@ -639,7 +645,7 @@
     </p:spTree>
     <p:extLst>
       <p:ext uri="{BB962C8B-B14F-4D97-AF65-F5344CB8AC3E}">
-        <p14:creationId xmlns:p14="http://schemas.microsoft.com/office/powerpoint/2010/main" val="579253635"/>
+        <p14:creationId xmlns:p14="http://schemas.microsoft.com/office/powerpoint/2010/main" val="3760396204"/>
       </p:ext>
     </p:extLst>
   </p:cSld>
@@ -758,7 +764,7 @@
           <a:p>
             <a:fld id="{CD0E6A7A-3030-4D8F-9B38-095AB434749D}" type="datetimeFigureOut">
               <a:rPr lang="fr-FR" smtClean="0"/>
-              <a:t>29/08/2023</a:t>
+              <a:t>05/09/2023</a:t>
             </a:fld>
             <a:endParaRPr lang="fr-FR"/>
           </a:p>
@@ -809,7 +815,7 @@
     </p:spTree>
     <p:extLst>
       <p:ext uri="{BB962C8B-B14F-4D97-AF65-F5344CB8AC3E}">
-        <p14:creationId xmlns:p14="http://schemas.microsoft.com/office/powerpoint/2010/main" val="537960513"/>
+        <p14:creationId xmlns:p14="http://schemas.microsoft.com/office/powerpoint/2010/main" val="1232366494"/>
       </p:ext>
     </p:extLst>
   </p:cSld>
@@ -848,15 +854,15 @@
         </p:nvSpPr>
         <p:spPr>
           <a:xfrm>
-            <a:off x="564965" y="1794831"/>
-            <a:ext cx="7141845" cy="2994714"/>
+            <a:off x="491204" y="1435864"/>
+            <a:ext cx="6209407" cy="2395771"/>
           </a:xfrm>
         </p:spPr>
         <p:txBody>
           <a:bodyPr anchor="b"/>
           <a:lstStyle>
             <a:lvl1pPr>
-              <a:defRPr sz="5434"/>
+              <a:defRPr sz="4724"/>
             </a:lvl1pPr>
           </a:lstStyle>
           <a:p>
@@ -880,8 +886,8 @@
         </p:nvSpPr>
         <p:spPr>
           <a:xfrm>
-            <a:off x="564965" y="4817876"/>
-            <a:ext cx="7141845" cy="1574849"/>
+            <a:off x="491204" y="3854300"/>
+            <a:ext cx="6209407" cy="1259879"/>
           </a:xfrm>
         </p:spPr>
         <p:txBody>
@@ -889,15 +895,15 @@
           <a:lstStyle>
             <a:lvl1pPr marL="0" indent="0">
               <a:buNone/>
-              <a:defRPr sz="2173">
+              <a:defRPr sz="1890">
                 <a:solidFill>
                   <a:schemeClr val="tx1"/>
                 </a:solidFill>
               </a:defRPr>
             </a:lvl1pPr>
-            <a:lvl2pPr marL="414040" indent="0">
+            <a:lvl2pPr marL="359954" indent="0">
               <a:buNone/>
-              <a:defRPr sz="1811">
+              <a:defRPr sz="1575">
                 <a:solidFill>
                   <a:schemeClr val="tx1">
                     <a:tint val="75000"/>
@@ -905,9 +911,9 @@
                 </a:solidFill>
               </a:defRPr>
             </a:lvl2pPr>
-            <a:lvl3pPr marL="828081" indent="0">
+            <a:lvl3pPr marL="719907" indent="0">
               <a:buNone/>
-              <a:defRPr sz="1630">
+              <a:defRPr sz="1417">
                 <a:solidFill>
                   <a:schemeClr val="tx1">
                     <a:tint val="75000"/>
@@ -915,9 +921,9 @@
                 </a:solidFill>
               </a:defRPr>
             </a:lvl3pPr>
-            <a:lvl4pPr marL="1242121" indent="0">
+            <a:lvl4pPr marL="1079861" indent="0">
               <a:buNone/>
-              <a:defRPr sz="1449">
+              <a:defRPr sz="1260">
                 <a:solidFill>
                   <a:schemeClr val="tx1">
                     <a:tint val="75000"/>
@@ -925,9 +931,9 @@
                 </a:solidFill>
               </a:defRPr>
             </a:lvl4pPr>
-            <a:lvl5pPr marL="1656161" indent="0">
+            <a:lvl5pPr marL="1439814" indent="0">
               <a:buNone/>
-              <a:defRPr sz="1449">
+              <a:defRPr sz="1260">
                 <a:solidFill>
                   <a:schemeClr val="tx1">
                     <a:tint val="75000"/>
@@ -935,9 +941,9 @@
                 </a:solidFill>
               </a:defRPr>
             </a:lvl5pPr>
-            <a:lvl6pPr marL="2070202" indent="0">
+            <a:lvl6pPr marL="1799768" indent="0">
               <a:buNone/>
-              <a:defRPr sz="1449">
+              <a:defRPr sz="1260">
                 <a:solidFill>
                   <a:schemeClr val="tx1">
                     <a:tint val="75000"/>
@@ -945,9 +951,9 @@
                 </a:solidFill>
               </a:defRPr>
             </a:lvl6pPr>
-            <a:lvl7pPr marL="2484242" indent="0">
+            <a:lvl7pPr marL="2159721" indent="0">
               <a:buNone/>
-              <a:defRPr sz="1449">
+              <a:defRPr sz="1260">
                 <a:solidFill>
                   <a:schemeClr val="tx1">
                     <a:tint val="75000"/>
@@ -955,9 +961,9 @@
                 </a:solidFill>
               </a:defRPr>
             </a:lvl7pPr>
-            <a:lvl8pPr marL="2898282" indent="0">
+            <a:lvl8pPr marL="2519675" indent="0">
               <a:buNone/>
-              <a:defRPr sz="1449">
+              <a:defRPr sz="1260">
                 <a:solidFill>
                   <a:schemeClr val="tx1">
                     <a:tint val="75000"/>
@@ -965,9 +971,9 @@
                 </a:solidFill>
               </a:defRPr>
             </a:lvl8pPr>
-            <a:lvl9pPr marL="3312323" indent="0">
+            <a:lvl9pPr marL="2879628" indent="0">
               <a:buNone/>
-              <a:defRPr sz="1449">
+              <a:defRPr sz="1260">
                 <a:solidFill>
                   <a:schemeClr val="tx1">
                     <a:tint val="75000"/>
@@ -1002,7 +1008,7 @@
           <a:p>
             <a:fld id="{CD0E6A7A-3030-4D8F-9B38-095AB434749D}" type="datetimeFigureOut">
               <a:rPr lang="fr-FR" smtClean="0"/>
-              <a:t>29/08/2023</a:t>
+              <a:t>05/09/2023</a:t>
             </a:fld>
             <a:endParaRPr lang="fr-FR"/>
           </a:p>
@@ -1053,7 +1059,7 @@
     </p:spTree>
     <p:extLst>
       <p:ext uri="{BB962C8B-B14F-4D97-AF65-F5344CB8AC3E}">
-        <p14:creationId xmlns:p14="http://schemas.microsoft.com/office/powerpoint/2010/main" val="438069802"/>
+        <p14:creationId xmlns:p14="http://schemas.microsoft.com/office/powerpoint/2010/main" val="977368051"/>
       </p:ext>
     </p:extLst>
   </p:cSld>
@@ -1115,8 +1121,8 @@
         </p:nvSpPr>
         <p:spPr>
           <a:xfrm>
-            <a:off x="569278" y="1916484"/>
-            <a:ext cx="3519170" cy="4567898"/>
+            <a:off x="494953" y="1533187"/>
+            <a:ext cx="3059708" cy="3654318"/>
           </a:xfrm>
         </p:spPr>
         <p:txBody>
@@ -1172,8 +1178,8 @@
         </p:nvSpPr>
         <p:spPr>
           <a:xfrm>
-            <a:off x="4191953" y="1916484"/>
-            <a:ext cx="3519170" cy="4567898"/>
+            <a:off x="3644652" y="1533187"/>
+            <a:ext cx="3059708" cy="3654318"/>
           </a:xfrm>
         </p:spPr>
         <p:txBody>
@@ -1234,7 +1240,7 @@
           <a:p>
             <a:fld id="{CD0E6A7A-3030-4D8F-9B38-095AB434749D}" type="datetimeFigureOut">
               <a:rPr lang="fr-FR" smtClean="0"/>
-              <a:t>29/08/2023</a:t>
+              <a:t>05/09/2023</a:t>
             </a:fld>
             <a:endParaRPr lang="fr-FR"/>
           </a:p>
@@ -1285,7 +1291,7 @@
     </p:spTree>
     <p:extLst>
       <p:ext uri="{BB962C8B-B14F-4D97-AF65-F5344CB8AC3E}">
-        <p14:creationId xmlns:p14="http://schemas.microsoft.com/office/powerpoint/2010/main" val="2348867995"/>
+        <p14:creationId xmlns:p14="http://schemas.microsoft.com/office/powerpoint/2010/main" val="3900867706"/>
       </p:ext>
     </p:extLst>
   </p:cSld>
@@ -1324,8 +1330,8 @@
         </p:nvSpPr>
         <p:spPr>
           <a:xfrm>
-            <a:off x="570356" y="383299"/>
-            <a:ext cx="7141845" cy="1391534"/>
+            <a:off x="495891" y="306639"/>
+            <a:ext cx="6209407" cy="1113227"/>
           </a:xfrm>
         </p:spPr>
         <p:txBody>
@@ -1352,8 +1358,8 @@
         </p:nvSpPr>
         <p:spPr>
           <a:xfrm>
-            <a:off x="570357" y="1764832"/>
-            <a:ext cx="3502997" cy="864917"/>
+            <a:off x="495891" y="1411865"/>
+            <a:ext cx="3045646" cy="691934"/>
           </a:xfrm>
         </p:spPr>
         <p:txBody>
@@ -1361,39 +1367,39 @@
           <a:lstStyle>
             <a:lvl1pPr marL="0" indent="0">
               <a:buNone/>
-              <a:defRPr sz="2173" b="1"/>
+              <a:defRPr sz="1890" b="1"/>
             </a:lvl1pPr>
-            <a:lvl2pPr marL="414040" indent="0">
+            <a:lvl2pPr marL="359954" indent="0">
               <a:buNone/>
-              <a:defRPr sz="1811" b="1"/>
+              <a:defRPr sz="1575" b="1"/>
             </a:lvl2pPr>
-            <a:lvl3pPr marL="828081" indent="0">
+            <a:lvl3pPr marL="719907" indent="0">
               <a:buNone/>
-              <a:defRPr sz="1630" b="1"/>
+              <a:defRPr sz="1417" b="1"/>
             </a:lvl3pPr>
-            <a:lvl4pPr marL="1242121" indent="0">
+            <a:lvl4pPr marL="1079861" indent="0">
               <a:buNone/>
-              <a:defRPr sz="1449" b="1"/>
+              <a:defRPr sz="1260" b="1"/>
             </a:lvl4pPr>
-            <a:lvl5pPr marL="1656161" indent="0">
+            <a:lvl5pPr marL="1439814" indent="0">
               <a:buNone/>
-              <a:defRPr sz="1449" b="1"/>
+              <a:defRPr sz="1260" b="1"/>
             </a:lvl5pPr>
-            <a:lvl6pPr marL="2070202" indent="0">
+            <a:lvl6pPr marL="1799768" indent="0">
               <a:buNone/>
-              <a:defRPr sz="1449" b="1"/>
+              <a:defRPr sz="1260" b="1"/>
             </a:lvl6pPr>
-            <a:lvl7pPr marL="2484242" indent="0">
+            <a:lvl7pPr marL="2159721" indent="0">
               <a:buNone/>
-              <a:defRPr sz="1449" b="1"/>
+              <a:defRPr sz="1260" b="1"/>
             </a:lvl7pPr>
-            <a:lvl8pPr marL="2898282" indent="0">
+            <a:lvl8pPr marL="2519675" indent="0">
               <a:buNone/>
-              <a:defRPr sz="1449" b="1"/>
+              <a:defRPr sz="1260" b="1"/>
             </a:lvl8pPr>
-            <a:lvl9pPr marL="3312323" indent="0">
+            <a:lvl9pPr marL="2879628" indent="0">
               <a:buNone/>
-              <a:defRPr sz="1449" b="1"/>
+              <a:defRPr sz="1260" b="1"/>
             </a:lvl9pPr>
           </a:lstStyle>
           <a:p>
@@ -1417,8 +1423,8 @@
         </p:nvSpPr>
         <p:spPr>
           <a:xfrm>
-            <a:off x="570357" y="2629749"/>
-            <a:ext cx="3502997" cy="3867965"/>
+            <a:off x="495891" y="2103799"/>
+            <a:ext cx="3045646" cy="3094372"/>
           </a:xfrm>
         </p:spPr>
         <p:txBody>
@@ -1474,8 +1480,8 @@
         </p:nvSpPr>
         <p:spPr>
           <a:xfrm>
-            <a:off x="4191953" y="1764832"/>
-            <a:ext cx="3520249" cy="864917"/>
+            <a:off x="3644652" y="1411865"/>
+            <a:ext cx="3060646" cy="691934"/>
           </a:xfrm>
         </p:spPr>
         <p:txBody>
@@ -1483,39 +1489,39 @@
           <a:lstStyle>
             <a:lvl1pPr marL="0" indent="0">
               <a:buNone/>
-              <a:defRPr sz="2173" b="1"/>
+              <a:defRPr sz="1890" b="1"/>
             </a:lvl1pPr>
-            <a:lvl2pPr marL="414040" indent="0">
+            <a:lvl2pPr marL="359954" indent="0">
               <a:buNone/>
-              <a:defRPr sz="1811" b="1"/>
+              <a:defRPr sz="1575" b="1"/>
             </a:lvl2pPr>
-            <a:lvl3pPr marL="828081" indent="0">
+            <a:lvl3pPr marL="719907" indent="0">
               <a:buNone/>
-              <a:defRPr sz="1630" b="1"/>
+              <a:defRPr sz="1417" b="1"/>
             </a:lvl3pPr>
-            <a:lvl4pPr marL="1242121" indent="0">
+            <a:lvl4pPr marL="1079861" indent="0">
               <a:buNone/>
-              <a:defRPr sz="1449" b="1"/>
+              <a:defRPr sz="1260" b="1"/>
             </a:lvl4pPr>
-            <a:lvl5pPr marL="1656161" indent="0">
+            <a:lvl5pPr marL="1439814" indent="0">
               <a:buNone/>
-              <a:defRPr sz="1449" b="1"/>
+              <a:defRPr sz="1260" b="1"/>
             </a:lvl5pPr>
-            <a:lvl6pPr marL="2070202" indent="0">
+            <a:lvl6pPr marL="1799768" indent="0">
               <a:buNone/>
-              <a:defRPr sz="1449" b="1"/>
+              <a:defRPr sz="1260" b="1"/>
             </a:lvl6pPr>
-            <a:lvl7pPr marL="2484242" indent="0">
+            <a:lvl7pPr marL="2159721" indent="0">
               <a:buNone/>
-              <a:defRPr sz="1449" b="1"/>
+              <a:defRPr sz="1260" b="1"/>
             </a:lvl7pPr>
-            <a:lvl8pPr marL="2898282" indent="0">
+            <a:lvl8pPr marL="2519675" indent="0">
               <a:buNone/>
-              <a:defRPr sz="1449" b="1"/>
+              <a:defRPr sz="1260" b="1"/>
             </a:lvl8pPr>
-            <a:lvl9pPr marL="3312323" indent="0">
+            <a:lvl9pPr marL="2879628" indent="0">
               <a:buNone/>
-              <a:defRPr sz="1449" b="1"/>
+              <a:defRPr sz="1260" b="1"/>
             </a:lvl9pPr>
           </a:lstStyle>
           <a:p>
@@ -1539,8 +1545,8 @@
         </p:nvSpPr>
         <p:spPr>
           <a:xfrm>
-            <a:off x="4191953" y="2629749"/>
-            <a:ext cx="3520249" cy="3867965"/>
+            <a:off x="3644652" y="2103799"/>
+            <a:ext cx="3060646" cy="3094372"/>
           </a:xfrm>
         </p:spPr>
         <p:txBody>
@@ -1601,7 +1607,7 @@
           <a:p>
             <a:fld id="{CD0E6A7A-3030-4D8F-9B38-095AB434749D}" type="datetimeFigureOut">
               <a:rPr lang="fr-FR" smtClean="0"/>
-              <a:t>29/08/2023</a:t>
+              <a:t>05/09/2023</a:t>
             </a:fld>
             <a:endParaRPr lang="fr-FR"/>
           </a:p>
@@ -1652,7 +1658,7 @@
     </p:spTree>
     <p:extLst>
       <p:ext uri="{BB962C8B-B14F-4D97-AF65-F5344CB8AC3E}">
-        <p14:creationId xmlns:p14="http://schemas.microsoft.com/office/powerpoint/2010/main" val="3949941145"/>
+        <p14:creationId xmlns:p14="http://schemas.microsoft.com/office/powerpoint/2010/main" val="4241291097"/>
       </p:ext>
     </p:extLst>
   </p:cSld>
@@ -1719,7 +1725,7 @@
           <a:p>
             <a:fld id="{CD0E6A7A-3030-4D8F-9B38-095AB434749D}" type="datetimeFigureOut">
               <a:rPr lang="fr-FR" smtClean="0"/>
-              <a:t>29/08/2023</a:t>
+              <a:t>05/09/2023</a:t>
             </a:fld>
             <a:endParaRPr lang="fr-FR"/>
           </a:p>
@@ -1770,7 +1776,7 @@
     </p:spTree>
     <p:extLst>
       <p:ext uri="{BB962C8B-B14F-4D97-AF65-F5344CB8AC3E}">
-        <p14:creationId xmlns:p14="http://schemas.microsoft.com/office/powerpoint/2010/main" val="4059275278"/>
+        <p14:creationId xmlns:p14="http://schemas.microsoft.com/office/powerpoint/2010/main" val="2705708430"/>
       </p:ext>
     </p:extLst>
   </p:cSld>
@@ -1814,7 +1820,7 @@
           <a:p>
             <a:fld id="{CD0E6A7A-3030-4D8F-9B38-095AB434749D}" type="datetimeFigureOut">
               <a:rPr lang="fr-FR" smtClean="0"/>
-              <a:t>29/08/2023</a:t>
+              <a:t>05/09/2023</a:t>
             </a:fld>
             <a:endParaRPr lang="fr-FR"/>
           </a:p>
@@ -1865,7 +1871,7 @@
     </p:spTree>
     <p:extLst>
       <p:ext uri="{BB962C8B-B14F-4D97-AF65-F5344CB8AC3E}">
-        <p14:creationId xmlns:p14="http://schemas.microsoft.com/office/powerpoint/2010/main" val="4213729640"/>
+        <p14:creationId xmlns:p14="http://schemas.microsoft.com/office/powerpoint/2010/main" val="2098028870"/>
       </p:ext>
     </p:extLst>
   </p:cSld>
@@ -1904,15 +1910,15 @@
         </p:nvSpPr>
         <p:spPr>
           <a:xfrm>
-            <a:off x="570356" y="479954"/>
-            <a:ext cx="2670645" cy="1679840"/>
+            <a:off x="495890" y="383963"/>
+            <a:ext cx="2321966" cy="1343872"/>
           </a:xfrm>
         </p:spPr>
         <p:txBody>
           <a:bodyPr anchor="b"/>
           <a:lstStyle>
             <a:lvl1pPr>
-              <a:defRPr sz="2898"/>
+              <a:defRPr sz="2519"/>
             </a:lvl1pPr>
           </a:lstStyle>
           <a:p>
@@ -1936,39 +1942,39 @@
         </p:nvSpPr>
         <p:spPr>
           <a:xfrm>
-            <a:off x="3520248" y="1036570"/>
-            <a:ext cx="4191953" cy="5116178"/>
+            <a:off x="3060646" y="829256"/>
+            <a:ext cx="3644652" cy="4092942"/>
           </a:xfrm>
         </p:spPr>
         <p:txBody>
           <a:bodyPr/>
           <a:lstStyle>
             <a:lvl1pPr>
-              <a:defRPr sz="2898"/>
+              <a:defRPr sz="2519"/>
             </a:lvl1pPr>
             <a:lvl2pPr>
-              <a:defRPr sz="2536"/>
+              <a:defRPr sz="2204"/>
             </a:lvl2pPr>
             <a:lvl3pPr>
-              <a:defRPr sz="2173"/>
+              <a:defRPr sz="1890"/>
             </a:lvl3pPr>
             <a:lvl4pPr>
-              <a:defRPr sz="1811"/>
+              <a:defRPr sz="1575"/>
             </a:lvl4pPr>
             <a:lvl5pPr>
-              <a:defRPr sz="1811"/>
+              <a:defRPr sz="1575"/>
             </a:lvl5pPr>
             <a:lvl6pPr>
-              <a:defRPr sz="1811"/>
+              <a:defRPr sz="1575"/>
             </a:lvl6pPr>
             <a:lvl7pPr>
-              <a:defRPr sz="1811"/>
+              <a:defRPr sz="1575"/>
             </a:lvl7pPr>
             <a:lvl8pPr>
-              <a:defRPr sz="1811"/>
+              <a:defRPr sz="1575"/>
             </a:lvl8pPr>
             <a:lvl9pPr>
-              <a:defRPr sz="1811"/>
+              <a:defRPr sz="1575"/>
             </a:lvl9pPr>
           </a:lstStyle>
           <a:p>
@@ -2021,8 +2027,8 @@
         </p:nvSpPr>
         <p:spPr>
           <a:xfrm>
-            <a:off x="570356" y="2159794"/>
-            <a:ext cx="2670645" cy="4001285"/>
+            <a:off x="495890" y="1727835"/>
+            <a:ext cx="2321966" cy="3201028"/>
           </a:xfrm>
         </p:spPr>
         <p:txBody>
@@ -2030,39 +2036,39 @@
           <a:lstStyle>
             <a:lvl1pPr marL="0" indent="0">
               <a:buNone/>
-              <a:defRPr sz="1449"/>
+              <a:defRPr sz="1260"/>
             </a:lvl1pPr>
-            <a:lvl2pPr marL="414040" indent="0">
+            <a:lvl2pPr marL="359954" indent="0">
               <a:buNone/>
-              <a:defRPr sz="1268"/>
+              <a:defRPr sz="1102"/>
             </a:lvl2pPr>
-            <a:lvl3pPr marL="828081" indent="0">
+            <a:lvl3pPr marL="719907" indent="0">
               <a:buNone/>
-              <a:defRPr sz="1087"/>
+              <a:defRPr sz="945"/>
             </a:lvl3pPr>
-            <a:lvl4pPr marL="1242121" indent="0">
+            <a:lvl4pPr marL="1079861" indent="0">
               <a:buNone/>
-              <a:defRPr sz="906"/>
+              <a:defRPr sz="787"/>
             </a:lvl4pPr>
-            <a:lvl5pPr marL="1656161" indent="0">
+            <a:lvl5pPr marL="1439814" indent="0">
               <a:buNone/>
-              <a:defRPr sz="906"/>
+              <a:defRPr sz="787"/>
             </a:lvl5pPr>
-            <a:lvl6pPr marL="2070202" indent="0">
+            <a:lvl6pPr marL="1799768" indent="0">
               <a:buNone/>
-              <a:defRPr sz="906"/>
+              <a:defRPr sz="787"/>
             </a:lvl6pPr>
-            <a:lvl7pPr marL="2484242" indent="0">
+            <a:lvl7pPr marL="2159721" indent="0">
               <a:buNone/>
-              <a:defRPr sz="906"/>
+              <a:defRPr sz="787"/>
             </a:lvl7pPr>
-            <a:lvl8pPr marL="2898282" indent="0">
+            <a:lvl8pPr marL="2519675" indent="0">
               <a:buNone/>
-              <a:defRPr sz="906"/>
+              <a:defRPr sz="787"/>
             </a:lvl8pPr>
-            <a:lvl9pPr marL="3312323" indent="0">
+            <a:lvl9pPr marL="2879628" indent="0">
               <a:buNone/>
-              <a:defRPr sz="906"/>
+              <a:defRPr sz="787"/>
             </a:lvl9pPr>
           </a:lstStyle>
           <a:p>
@@ -2091,7 +2097,7 @@
           <a:p>
             <a:fld id="{CD0E6A7A-3030-4D8F-9B38-095AB434749D}" type="datetimeFigureOut">
               <a:rPr lang="fr-FR" smtClean="0"/>
-              <a:t>29/08/2023</a:t>
+              <a:t>05/09/2023</a:t>
             </a:fld>
             <a:endParaRPr lang="fr-FR"/>
           </a:p>
@@ -2142,7 +2148,7 @@
     </p:spTree>
     <p:extLst>
       <p:ext uri="{BB962C8B-B14F-4D97-AF65-F5344CB8AC3E}">
-        <p14:creationId xmlns:p14="http://schemas.microsoft.com/office/powerpoint/2010/main" val="1047668551"/>
+        <p14:creationId xmlns:p14="http://schemas.microsoft.com/office/powerpoint/2010/main" val="1023268965"/>
       </p:ext>
     </p:extLst>
   </p:cSld>
@@ -2181,15 +2187,15 @@
         </p:nvSpPr>
         <p:spPr>
           <a:xfrm>
-            <a:off x="570356" y="479954"/>
-            <a:ext cx="2670645" cy="1679840"/>
+            <a:off x="495890" y="383963"/>
+            <a:ext cx="2321966" cy="1343872"/>
           </a:xfrm>
         </p:spPr>
         <p:txBody>
           <a:bodyPr anchor="b"/>
           <a:lstStyle>
             <a:lvl1pPr>
-              <a:defRPr sz="2898"/>
+              <a:defRPr sz="2519"/>
             </a:lvl1pPr>
           </a:lstStyle>
           <a:p>
@@ -2213,8 +2219,8 @@
         </p:nvSpPr>
         <p:spPr>
           <a:xfrm>
-            <a:off x="3520248" y="1036570"/>
-            <a:ext cx="4191953" cy="5116178"/>
+            <a:off x="3060646" y="829256"/>
+            <a:ext cx="3644652" cy="4092942"/>
           </a:xfrm>
         </p:spPr>
         <p:txBody>
@@ -2222,39 +2228,39 @@
           <a:lstStyle>
             <a:lvl1pPr marL="0" indent="0">
               <a:buNone/>
-              <a:defRPr sz="2898"/>
+              <a:defRPr sz="2519"/>
             </a:lvl1pPr>
-            <a:lvl2pPr marL="414040" indent="0">
+            <a:lvl2pPr marL="359954" indent="0">
               <a:buNone/>
-              <a:defRPr sz="2536"/>
+              <a:defRPr sz="2204"/>
             </a:lvl2pPr>
-            <a:lvl3pPr marL="828081" indent="0">
+            <a:lvl3pPr marL="719907" indent="0">
               <a:buNone/>
-              <a:defRPr sz="2173"/>
+              <a:defRPr sz="1890"/>
             </a:lvl3pPr>
-            <a:lvl4pPr marL="1242121" indent="0">
+            <a:lvl4pPr marL="1079861" indent="0">
               <a:buNone/>
-              <a:defRPr sz="1811"/>
+              <a:defRPr sz="1575"/>
             </a:lvl4pPr>
-            <a:lvl5pPr marL="1656161" indent="0">
+            <a:lvl5pPr marL="1439814" indent="0">
               <a:buNone/>
-              <a:defRPr sz="1811"/>
+              <a:defRPr sz="1575"/>
             </a:lvl5pPr>
-            <a:lvl6pPr marL="2070202" indent="0">
+            <a:lvl6pPr marL="1799768" indent="0">
               <a:buNone/>
-              <a:defRPr sz="1811"/>
+              <a:defRPr sz="1575"/>
             </a:lvl6pPr>
-            <a:lvl7pPr marL="2484242" indent="0">
+            <a:lvl7pPr marL="2159721" indent="0">
               <a:buNone/>
-              <a:defRPr sz="1811"/>
+              <a:defRPr sz="1575"/>
             </a:lvl7pPr>
-            <a:lvl8pPr marL="2898282" indent="0">
+            <a:lvl8pPr marL="2519675" indent="0">
               <a:buNone/>
-              <a:defRPr sz="1811"/>
+              <a:defRPr sz="1575"/>
             </a:lvl8pPr>
-            <a:lvl9pPr marL="3312323" indent="0">
+            <a:lvl9pPr marL="2879628" indent="0">
               <a:buNone/>
-              <a:defRPr sz="1811"/>
+              <a:defRPr sz="1575"/>
             </a:lvl9pPr>
           </a:lstStyle>
           <a:p>
@@ -2278,8 +2284,8 @@
         </p:nvSpPr>
         <p:spPr>
           <a:xfrm>
-            <a:off x="570356" y="2159794"/>
-            <a:ext cx="2670645" cy="4001285"/>
+            <a:off x="495890" y="1727835"/>
+            <a:ext cx="2321966" cy="3201028"/>
           </a:xfrm>
         </p:spPr>
         <p:txBody>
@@ -2287,39 +2293,39 @@
           <a:lstStyle>
             <a:lvl1pPr marL="0" indent="0">
               <a:buNone/>
-              <a:defRPr sz="1449"/>
+              <a:defRPr sz="1260"/>
             </a:lvl1pPr>
-            <a:lvl2pPr marL="414040" indent="0">
+            <a:lvl2pPr marL="359954" indent="0">
               <a:buNone/>
-              <a:defRPr sz="1268"/>
+              <a:defRPr sz="1102"/>
             </a:lvl2pPr>
-            <a:lvl3pPr marL="828081" indent="0">
+            <a:lvl3pPr marL="719907" indent="0">
               <a:buNone/>
-              <a:defRPr sz="1087"/>
+              <a:defRPr sz="945"/>
             </a:lvl3pPr>
-            <a:lvl4pPr marL="1242121" indent="0">
+            <a:lvl4pPr marL="1079861" indent="0">
               <a:buNone/>
-              <a:defRPr sz="906"/>
+              <a:defRPr sz="787"/>
             </a:lvl4pPr>
-            <a:lvl5pPr marL="1656161" indent="0">
+            <a:lvl5pPr marL="1439814" indent="0">
               <a:buNone/>
-              <a:defRPr sz="906"/>
+              <a:defRPr sz="787"/>
             </a:lvl5pPr>
-            <a:lvl6pPr marL="2070202" indent="0">
+            <a:lvl6pPr marL="1799768" indent="0">
               <a:buNone/>
-              <a:defRPr sz="906"/>
+              <a:defRPr sz="787"/>
             </a:lvl6pPr>
-            <a:lvl7pPr marL="2484242" indent="0">
+            <a:lvl7pPr marL="2159721" indent="0">
               <a:buNone/>
-              <a:defRPr sz="906"/>
+              <a:defRPr sz="787"/>
             </a:lvl7pPr>
-            <a:lvl8pPr marL="2898282" indent="0">
+            <a:lvl8pPr marL="2519675" indent="0">
               <a:buNone/>
-              <a:defRPr sz="906"/>
+              <a:defRPr sz="787"/>
             </a:lvl8pPr>
-            <a:lvl9pPr marL="3312323" indent="0">
+            <a:lvl9pPr marL="2879628" indent="0">
               <a:buNone/>
-              <a:defRPr sz="906"/>
+              <a:defRPr sz="787"/>
             </a:lvl9pPr>
           </a:lstStyle>
           <a:p>
@@ -2348,7 +2354,7 @@
           <a:p>
             <a:fld id="{CD0E6A7A-3030-4D8F-9B38-095AB434749D}" type="datetimeFigureOut">
               <a:rPr lang="fr-FR" smtClean="0"/>
-              <a:t>29/08/2023</a:t>
+              <a:t>05/09/2023</a:t>
             </a:fld>
             <a:endParaRPr lang="fr-FR"/>
           </a:p>
@@ -2399,7 +2405,7 @@
     </p:spTree>
     <p:extLst>
       <p:ext uri="{BB962C8B-B14F-4D97-AF65-F5344CB8AC3E}">
-        <p14:creationId xmlns:p14="http://schemas.microsoft.com/office/powerpoint/2010/main" val="1956479492"/>
+        <p14:creationId xmlns:p14="http://schemas.microsoft.com/office/powerpoint/2010/main" val="1463046874"/>
       </p:ext>
     </p:extLst>
   </p:cSld>
@@ -2443,8 +2449,8 @@
         </p:nvSpPr>
         <p:spPr>
           <a:xfrm>
-            <a:off x="569278" y="383299"/>
-            <a:ext cx="7141845" cy="1391534"/>
+            <a:off x="494953" y="306639"/>
+            <a:ext cx="6209407" cy="1113227"/>
           </a:xfrm>
           <a:prstGeom prst="rect">
             <a:avLst/>
@@ -2476,8 +2482,8 @@
         </p:nvSpPr>
         <p:spPr>
           <a:xfrm>
-            <a:off x="569278" y="1916484"/>
-            <a:ext cx="7141845" cy="4567898"/>
+            <a:off x="494953" y="1533187"/>
+            <a:ext cx="6209407" cy="3654318"/>
           </a:xfrm>
           <a:prstGeom prst="rect">
             <a:avLst/>
@@ -2538,8 +2544,8 @@
         </p:nvSpPr>
         <p:spPr>
           <a:xfrm>
-            <a:off x="569278" y="6672698"/>
-            <a:ext cx="1863090" cy="383297"/>
+            <a:off x="494953" y="5338158"/>
+            <a:ext cx="1619845" cy="306637"/>
           </a:xfrm>
           <a:prstGeom prst="rect">
             <a:avLst/>
@@ -2549,7 +2555,7 @@
           <a:bodyPr vert="horz" lIns="91440" tIns="45720" rIns="91440" bIns="45720" rtlCol="0" anchor="ctr"/>
           <a:lstStyle>
             <a:lvl1pPr algn="l">
-              <a:defRPr sz="1087">
+              <a:defRPr sz="945">
                 <a:solidFill>
                   <a:schemeClr val="tx1">
                     <a:tint val="75000"/>
@@ -2561,7 +2567,7 @@
           <a:p>
             <a:fld id="{CD0E6A7A-3030-4D8F-9B38-095AB434749D}" type="datetimeFigureOut">
               <a:rPr lang="fr-FR" smtClean="0"/>
-              <a:t>29/08/2023</a:t>
+              <a:t>05/09/2023</a:t>
             </a:fld>
             <a:endParaRPr lang="fr-FR"/>
           </a:p>
@@ -2579,8 +2585,8 @@
         </p:nvSpPr>
         <p:spPr>
           <a:xfrm>
-            <a:off x="2742883" y="6672698"/>
-            <a:ext cx="2794635" cy="383297"/>
+            <a:off x="2384773" y="5338158"/>
+            <a:ext cx="2429768" cy="306637"/>
           </a:xfrm>
           <a:prstGeom prst="rect">
             <a:avLst/>
@@ -2590,7 +2596,7 @@
           <a:bodyPr vert="horz" lIns="91440" tIns="45720" rIns="91440" bIns="45720" rtlCol="0" anchor="ctr"/>
           <a:lstStyle>
             <a:lvl1pPr algn="ctr">
-              <a:defRPr sz="1087">
+              <a:defRPr sz="945">
                 <a:solidFill>
                   <a:schemeClr val="tx1">
                     <a:tint val="75000"/>
@@ -2616,8 +2622,8 @@
         </p:nvSpPr>
         <p:spPr>
           <a:xfrm>
-            <a:off x="5848033" y="6672698"/>
-            <a:ext cx="1863090" cy="383297"/>
+            <a:off x="5084515" y="5338158"/>
+            <a:ext cx="1619845" cy="306637"/>
           </a:xfrm>
           <a:prstGeom prst="rect">
             <a:avLst/>
@@ -2627,7 +2633,7 @@
           <a:bodyPr vert="horz" lIns="91440" tIns="45720" rIns="91440" bIns="45720" rtlCol="0" anchor="ctr"/>
           <a:lstStyle>
             <a:lvl1pPr algn="r">
-              <a:defRPr sz="1087">
+              <a:defRPr sz="945">
                 <a:solidFill>
                   <a:schemeClr val="tx1">
                     <a:tint val="75000"/>
@@ -2648,27 +2654,27 @@
     </p:spTree>
     <p:extLst>
       <p:ext uri="{BB962C8B-B14F-4D97-AF65-F5344CB8AC3E}">
-        <p14:creationId xmlns:p14="http://schemas.microsoft.com/office/powerpoint/2010/main" val="3024730510"/>
+        <p14:creationId xmlns:p14="http://schemas.microsoft.com/office/powerpoint/2010/main" val="3833766117"/>
       </p:ext>
     </p:extLst>
   </p:cSld>
   <p:clrMap bg1="lt1" tx1="dk1" bg2="lt2" tx2="dk2" accent1="accent1" accent2="accent2" accent3="accent3" accent4="accent4" accent5="accent5" accent6="accent6" hlink="hlink" folHlink="folHlink"/>
   <p:sldLayoutIdLst>
-    <p:sldLayoutId id="2147483673" r:id="rId1"/>
-    <p:sldLayoutId id="2147483674" r:id="rId2"/>
-    <p:sldLayoutId id="2147483675" r:id="rId3"/>
-    <p:sldLayoutId id="2147483676" r:id="rId4"/>
-    <p:sldLayoutId id="2147483677" r:id="rId5"/>
-    <p:sldLayoutId id="2147483678" r:id="rId6"/>
-    <p:sldLayoutId id="2147483679" r:id="rId7"/>
-    <p:sldLayoutId id="2147483680" r:id="rId8"/>
-    <p:sldLayoutId id="2147483681" r:id="rId9"/>
-    <p:sldLayoutId id="2147483682" r:id="rId10"/>
-    <p:sldLayoutId id="2147483683" r:id="rId11"/>
+    <p:sldLayoutId id="2147483685" r:id="rId1"/>
+    <p:sldLayoutId id="2147483686" r:id="rId2"/>
+    <p:sldLayoutId id="2147483687" r:id="rId3"/>
+    <p:sldLayoutId id="2147483688" r:id="rId4"/>
+    <p:sldLayoutId id="2147483689" r:id="rId5"/>
+    <p:sldLayoutId id="2147483690" r:id="rId6"/>
+    <p:sldLayoutId id="2147483691" r:id="rId7"/>
+    <p:sldLayoutId id="2147483692" r:id="rId8"/>
+    <p:sldLayoutId id="2147483693" r:id="rId9"/>
+    <p:sldLayoutId id="2147483694" r:id="rId10"/>
+    <p:sldLayoutId id="2147483695" r:id="rId11"/>
   </p:sldLayoutIdLst>
   <p:txStyles>
     <p:titleStyle>
-      <a:lvl1pPr algn="l" defTabSz="828081" rtl="0" eaLnBrk="1" latinLnBrk="0" hangingPunct="1">
+      <a:lvl1pPr algn="l" defTabSz="719907" rtl="0" eaLnBrk="1" latinLnBrk="0" hangingPunct="1">
         <a:lnSpc>
           <a:spcPct val="90000"/>
         </a:lnSpc>
@@ -2676,7 +2682,7 @@
           <a:spcPct val="0"/>
         </a:spcBef>
         <a:buNone/>
-        <a:defRPr sz="3985" kern="1200">
+        <a:defRPr sz="3464" kern="1200">
           <a:solidFill>
             <a:schemeClr val="tx1"/>
           </a:solidFill>
@@ -2687,16 +2693,16 @@
       </a:lvl1pPr>
     </p:titleStyle>
     <p:bodyStyle>
-      <a:lvl1pPr marL="207020" indent="-207020" algn="l" defTabSz="828081" rtl="0" eaLnBrk="1" latinLnBrk="0" hangingPunct="1">
+      <a:lvl1pPr marL="179977" indent="-179977" algn="l" defTabSz="719907" rtl="0" eaLnBrk="1" latinLnBrk="0" hangingPunct="1">
         <a:lnSpc>
           <a:spcPct val="90000"/>
         </a:lnSpc>
         <a:spcBef>
-          <a:spcPts val="906"/>
+          <a:spcPts val="787"/>
         </a:spcBef>
         <a:buFont typeface="Arial" panose="020B0604020202020204" pitchFamily="34" charset="0"/>
         <a:buChar char="•"/>
-        <a:defRPr sz="2536" kern="1200">
+        <a:defRPr sz="2204" kern="1200">
           <a:solidFill>
             <a:schemeClr val="tx1"/>
           </a:solidFill>
@@ -2705,16 +2711,16 @@
           <a:cs typeface="+mn-cs"/>
         </a:defRPr>
       </a:lvl1pPr>
-      <a:lvl2pPr marL="621060" indent="-207020" algn="l" defTabSz="828081" rtl="0" eaLnBrk="1" latinLnBrk="0" hangingPunct="1">
+      <a:lvl2pPr marL="539930" indent="-179977" algn="l" defTabSz="719907" rtl="0" eaLnBrk="1" latinLnBrk="0" hangingPunct="1">
         <a:lnSpc>
           <a:spcPct val="90000"/>
         </a:lnSpc>
         <a:spcBef>
-          <a:spcPts val="453"/>
+          <a:spcPts val="394"/>
         </a:spcBef>
         <a:buFont typeface="Arial" panose="020B0604020202020204" pitchFamily="34" charset="0"/>
         <a:buChar char="•"/>
-        <a:defRPr sz="2173" kern="1200">
+        <a:defRPr sz="1890" kern="1200">
           <a:solidFill>
             <a:schemeClr val="tx1"/>
           </a:solidFill>
@@ -2723,16 +2729,16 @@
           <a:cs typeface="+mn-cs"/>
         </a:defRPr>
       </a:lvl2pPr>
-      <a:lvl3pPr marL="1035101" indent="-207020" algn="l" defTabSz="828081" rtl="0" eaLnBrk="1" latinLnBrk="0" hangingPunct="1">
+      <a:lvl3pPr marL="899884" indent="-179977" algn="l" defTabSz="719907" rtl="0" eaLnBrk="1" latinLnBrk="0" hangingPunct="1">
         <a:lnSpc>
           <a:spcPct val="90000"/>
         </a:lnSpc>
         <a:spcBef>
-          <a:spcPts val="453"/>
+          <a:spcPts val="394"/>
         </a:spcBef>
         <a:buFont typeface="Arial" panose="020B0604020202020204" pitchFamily="34" charset="0"/>
         <a:buChar char="•"/>
-        <a:defRPr sz="1811" kern="1200">
+        <a:defRPr sz="1575" kern="1200">
           <a:solidFill>
             <a:schemeClr val="tx1"/>
           </a:solidFill>
@@ -2741,16 +2747,16 @@
           <a:cs typeface="+mn-cs"/>
         </a:defRPr>
       </a:lvl3pPr>
-      <a:lvl4pPr marL="1449141" indent="-207020" algn="l" defTabSz="828081" rtl="0" eaLnBrk="1" latinLnBrk="0" hangingPunct="1">
+      <a:lvl4pPr marL="1259837" indent="-179977" algn="l" defTabSz="719907" rtl="0" eaLnBrk="1" latinLnBrk="0" hangingPunct="1">
         <a:lnSpc>
           <a:spcPct val="90000"/>
         </a:lnSpc>
         <a:spcBef>
-          <a:spcPts val="453"/>
+          <a:spcPts val="394"/>
         </a:spcBef>
         <a:buFont typeface="Arial" panose="020B0604020202020204" pitchFamily="34" charset="0"/>
         <a:buChar char="•"/>
-        <a:defRPr sz="1630" kern="1200">
+        <a:defRPr sz="1417" kern="1200">
           <a:solidFill>
             <a:schemeClr val="tx1"/>
           </a:solidFill>
@@ -2759,16 +2765,16 @@
           <a:cs typeface="+mn-cs"/>
         </a:defRPr>
       </a:lvl4pPr>
-      <a:lvl5pPr marL="1863181" indent="-207020" algn="l" defTabSz="828081" rtl="0" eaLnBrk="1" latinLnBrk="0" hangingPunct="1">
+      <a:lvl5pPr marL="1619791" indent="-179977" algn="l" defTabSz="719907" rtl="0" eaLnBrk="1" latinLnBrk="0" hangingPunct="1">
         <a:lnSpc>
           <a:spcPct val="90000"/>
         </a:lnSpc>
         <a:spcBef>
-          <a:spcPts val="453"/>
+          <a:spcPts val="394"/>
         </a:spcBef>
         <a:buFont typeface="Arial" panose="020B0604020202020204" pitchFamily="34" charset="0"/>
         <a:buChar char="•"/>
-        <a:defRPr sz="1630" kern="1200">
+        <a:defRPr sz="1417" kern="1200">
           <a:solidFill>
             <a:schemeClr val="tx1"/>
           </a:solidFill>
@@ -2777,16 +2783,16 @@
           <a:cs typeface="+mn-cs"/>
         </a:defRPr>
       </a:lvl5pPr>
-      <a:lvl6pPr marL="2277222" indent="-207020" algn="l" defTabSz="828081" rtl="0" eaLnBrk="1" latinLnBrk="0" hangingPunct="1">
+      <a:lvl6pPr marL="1979745" indent="-179977" algn="l" defTabSz="719907" rtl="0" eaLnBrk="1" latinLnBrk="0" hangingPunct="1">
         <a:lnSpc>
           <a:spcPct val="90000"/>
         </a:lnSpc>
         <a:spcBef>
-          <a:spcPts val="453"/>
+          <a:spcPts val="394"/>
         </a:spcBef>
         <a:buFont typeface="Arial" panose="020B0604020202020204" pitchFamily="34" charset="0"/>
         <a:buChar char="•"/>
-        <a:defRPr sz="1630" kern="1200">
+        <a:defRPr sz="1417" kern="1200">
           <a:solidFill>
             <a:schemeClr val="tx1"/>
           </a:solidFill>
@@ -2795,16 +2801,16 @@
           <a:cs typeface="+mn-cs"/>
         </a:defRPr>
       </a:lvl6pPr>
-      <a:lvl7pPr marL="2691262" indent="-207020" algn="l" defTabSz="828081" rtl="0" eaLnBrk="1" latinLnBrk="0" hangingPunct="1">
+      <a:lvl7pPr marL="2339698" indent="-179977" algn="l" defTabSz="719907" rtl="0" eaLnBrk="1" latinLnBrk="0" hangingPunct="1">
         <a:lnSpc>
           <a:spcPct val="90000"/>
         </a:lnSpc>
         <a:spcBef>
-          <a:spcPts val="453"/>
+          <a:spcPts val="394"/>
         </a:spcBef>
         <a:buFont typeface="Arial" panose="020B0604020202020204" pitchFamily="34" charset="0"/>
         <a:buChar char="•"/>
-        <a:defRPr sz="1630" kern="1200">
+        <a:defRPr sz="1417" kern="1200">
           <a:solidFill>
             <a:schemeClr val="tx1"/>
           </a:solidFill>
@@ -2813,16 +2819,16 @@
           <a:cs typeface="+mn-cs"/>
         </a:defRPr>
       </a:lvl7pPr>
-      <a:lvl8pPr marL="3105302" indent="-207020" algn="l" defTabSz="828081" rtl="0" eaLnBrk="1" latinLnBrk="0" hangingPunct="1">
+      <a:lvl8pPr marL="2699652" indent="-179977" algn="l" defTabSz="719907" rtl="0" eaLnBrk="1" latinLnBrk="0" hangingPunct="1">
         <a:lnSpc>
           <a:spcPct val="90000"/>
         </a:lnSpc>
         <a:spcBef>
-          <a:spcPts val="453"/>
+          <a:spcPts val="394"/>
         </a:spcBef>
         <a:buFont typeface="Arial" panose="020B0604020202020204" pitchFamily="34" charset="0"/>
         <a:buChar char="•"/>
-        <a:defRPr sz="1630" kern="1200">
+        <a:defRPr sz="1417" kern="1200">
           <a:solidFill>
             <a:schemeClr val="tx1"/>
           </a:solidFill>
@@ -2831,16 +2837,16 @@
           <a:cs typeface="+mn-cs"/>
         </a:defRPr>
       </a:lvl8pPr>
-      <a:lvl9pPr marL="3519343" indent="-207020" algn="l" defTabSz="828081" rtl="0" eaLnBrk="1" latinLnBrk="0" hangingPunct="1">
+      <a:lvl9pPr marL="3059605" indent="-179977" algn="l" defTabSz="719907" rtl="0" eaLnBrk="1" latinLnBrk="0" hangingPunct="1">
         <a:lnSpc>
           <a:spcPct val="90000"/>
         </a:lnSpc>
         <a:spcBef>
-          <a:spcPts val="453"/>
+          <a:spcPts val="394"/>
         </a:spcBef>
         <a:buFont typeface="Arial" panose="020B0604020202020204" pitchFamily="34" charset="0"/>
         <a:buChar char="•"/>
-        <a:defRPr sz="1630" kern="1200">
+        <a:defRPr sz="1417" kern="1200">
           <a:solidFill>
             <a:schemeClr val="tx1"/>
           </a:solidFill>
@@ -2854,8 +2860,8 @@
       <a:defPPr>
         <a:defRPr lang="en-US"/>
       </a:defPPr>
-      <a:lvl1pPr marL="0" algn="l" defTabSz="828081" rtl="0" eaLnBrk="1" latinLnBrk="0" hangingPunct="1">
-        <a:defRPr sz="1630" kern="1200">
+      <a:lvl1pPr marL="0" algn="l" defTabSz="719907" rtl="0" eaLnBrk="1" latinLnBrk="0" hangingPunct="1">
+        <a:defRPr sz="1417" kern="1200">
           <a:solidFill>
             <a:schemeClr val="tx1"/>
           </a:solidFill>
@@ -2864,8 +2870,8 @@
           <a:cs typeface="+mn-cs"/>
         </a:defRPr>
       </a:lvl1pPr>
-      <a:lvl2pPr marL="414040" algn="l" defTabSz="828081" rtl="0" eaLnBrk="1" latinLnBrk="0" hangingPunct="1">
-        <a:defRPr sz="1630" kern="1200">
+      <a:lvl2pPr marL="359954" algn="l" defTabSz="719907" rtl="0" eaLnBrk="1" latinLnBrk="0" hangingPunct="1">
+        <a:defRPr sz="1417" kern="1200">
           <a:solidFill>
             <a:schemeClr val="tx1"/>
           </a:solidFill>
@@ -2874,8 +2880,8 @@
           <a:cs typeface="+mn-cs"/>
         </a:defRPr>
       </a:lvl2pPr>
-      <a:lvl3pPr marL="828081" algn="l" defTabSz="828081" rtl="0" eaLnBrk="1" latinLnBrk="0" hangingPunct="1">
-        <a:defRPr sz="1630" kern="1200">
+      <a:lvl3pPr marL="719907" algn="l" defTabSz="719907" rtl="0" eaLnBrk="1" latinLnBrk="0" hangingPunct="1">
+        <a:defRPr sz="1417" kern="1200">
           <a:solidFill>
             <a:schemeClr val="tx1"/>
           </a:solidFill>
@@ -2884,8 +2890,8 @@
           <a:cs typeface="+mn-cs"/>
         </a:defRPr>
       </a:lvl3pPr>
-      <a:lvl4pPr marL="1242121" algn="l" defTabSz="828081" rtl="0" eaLnBrk="1" latinLnBrk="0" hangingPunct="1">
-        <a:defRPr sz="1630" kern="1200">
+      <a:lvl4pPr marL="1079861" algn="l" defTabSz="719907" rtl="0" eaLnBrk="1" latinLnBrk="0" hangingPunct="1">
+        <a:defRPr sz="1417" kern="1200">
           <a:solidFill>
             <a:schemeClr val="tx1"/>
           </a:solidFill>
@@ -2894,8 +2900,8 @@
           <a:cs typeface="+mn-cs"/>
         </a:defRPr>
       </a:lvl4pPr>
-      <a:lvl5pPr marL="1656161" algn="l" defTabSz="828081" rtl="0" eaLnBrk="1" latinLnBrk="0" hangingPunct="1">
-        <a:defRPr sz="1630" kern="1200">
+      <a:lvl5pPr marL="1439814" algn="l" defTabSz="719907" rtl="0" eaLnBrk="1" latinLnBrk="0" hangingPunct="1">
+        <a:defRPr sz="1417" kern="1200">
           <a:solidFill>
             <a:schemeClr val="tx1"/>
           </a:solidFill>
@@ -2904,8 +2910,8 @@
           <a:cs typeface="+mn-cs"/>
         </a:defRPr>
       </a:lvl5pPr>
-      <a:lvl6pPr marL="2070202" algn="l" defTabSz="828081" rtl="0" eaLnBrk="1" latinLnBrk="0" hangingPunct="1">
-        <a:defRPr sz="1630" kern="1200">
+      <a:lvl6pPr marL="1799768" algn="l" defTabSz="719907" rtl="0" eaLnBrk="1" latinLnBrk="0" hangingPunct="1">
+        <a:defRPr sz="1417" kern="1200">
           <a:solidFill>
             <a:schemeClr val="tx1"/>
           </a:solidFill>
@@ -2914,8 +2920,8 @@
           <a:cs typeface="+mn-cs"/>
         </a:defRPr>
       </a:lvl6pPr>
-      <a:lvl7pPr marL="2484242" algn="l" defTabSz="828081" rtl="0" eaLnBrk="1" latinLnBrk="0" hangingPunct="1">
-        <a:defRPr sz="1630" kern="1200">
+      <a:lvl7pPr marL="2159721" algn="l" defTabSz="719907" rtl="0" eaLnBrk="1" latinLnBrk="0" hangingPunct="1">
+        <a:defRPr sz="1417" kern="1200">
           <a:solidFill>
             <a:schemeClr val="tx1"/>
           </a:solidFill>
@@ -2924,8 +2930,8 @@
           <a:cs typeface="+mn-cs"/>
         </a:defRPr>
       </a:lvl7pPr>
-      <a:lvl8pPr marL="2898282" algn="l" defTabSz="828081" rtl="0" eaLnBrk="1" latinLnBrk="0" hangingPunct="1">
-        <a:defRPr sz="1630" kern="1200">
+      <a:lvl8pPr marL="2519675" algn="l" defTabSz="719907" rtl="0" eaLnBrk="1" latinLnBrk="0" hangingPunct="1">
+        <a:defRPr sz="1417" kern="1200">
           <a:solidFill>
             <a:schemeClr val="tx1"/>
           </a:solidFill>
@@ -2934,8 +2940,8 @@
           <a:cs typeface="+mn-cs"/>
         </a:defRPr>
       </a:lvl8pPr>
-      <a:lvl9pPr marL="3312323" algn="l" defTabSz="828081" rtl="0" eaLnBrk="1" latinLnBrk="0" hangingPunct="1">
-        <a:defRPr sz="1630" kern="1200">
+      <a:lvl9pPr marL="2879628" algn="l" defTabSz="719907" rtl="0" eaLnBrk="1" latinLnBrk="0" hangingPunct="1">
+        <a:defRPr sz="1417" kern="1200">
           <a:solidFill>
             <a:schemeClr val="tx1"/>
           </a:solidFill>
@@ -2988,8 +2994,8 @@
         </p:blipFill>
         <p:spPr>
           <a:xfrm>
-            <a:off x="1197699" y="678170"/>
-            <a:ext cx="626626" cy="469970"/>
+            <a:off x="1245655" y="542536"/>
+            <a:ext cx="501301" cy="375976"/>
           </a:xfrm>
           <a:prstGeom prst="rect">
             <a:avLst/>
@@ -3018,8 +3024,8 @@
         </p:blipFill>
         <p:spPr>
           <a:xfrm>
-            <a:off x="1197699" y="1148140"/>
-            <a:ext cx="626626" cy="469970"/>
+            <a:off x="1245655" y="918512"/>
+            <a:ext cx="501301" cy="375976"/>
           </a:xfrm>
           <a:prstGeom prst="rect">
             <a:avLst/>
@@ -3048,8 +3054,8 @@
         </p:blipFill>
         <p:spPr>
           <a:xfrm>
-            <a:off x="1179411" y="1853095"/>
-            <a:ext cx="626626" cy="469970"/>
+            <a:off x="1231025" y="1482476"/>
+            <a:ext cx="501301" cy="375976"/>
           </a:xfrm>
           <a:prstGeom prst="rect">
             <a:avLst/>
@@ -3064,8 +3070,8 @@
         </p:nvSpPr>
         <p:spPr>
           <a:xfrm rot="16200000">
-            <a:off x="1245078" y="1550937"/>
-            <a:ext cx="420624" cy="369332"/>
+            <a:off x="1283559" y="1249535"/>
+            <a:ext cx="336499" cy="277897"/>
           </a:xfrm>
           <a:prstGeom prst="rect">
             <a:avLst/>
@@ -3080,7 +3086,7 @@
           <a:p>
             <a:pPr algn="ctr"/>
             <a:r>
-              <a:rPr lang="fr-FR" b="1" dirty="0"/>
+              <a:rPr lang="fr-FR" sz="1206" b="1" dirty="0"/>
               <a:t>…</a:t>
             </a:r>
           </a:p>
@@ -3094,8 +3100,8 @@
         </p:nvSpPr>
         <p:spPr>
           <a:xfrm>
-            <a:off x="1920216" y="725787"/>
-            <a:ext cx="128016" cy="1481328"/>
+            <a:off x="1823669" y="580630"/>
+            <a:ext cx="102413" cy="1185062"/>
           </a:xfrm>
           <a:prstGeom prst="rightBrace">
             <a:avLst/>
@@ -3125,7 +3131,7 @@
           <a:lstStyle/>
           <a:p>
             <a:pPr algn="ctr"/>
-            <a:endParaRPr lang="fr-FR"/>
+            <a:endParaRPr lang="fr-FR" sz="1206"/>
           </a:p>
         </p:txBody>
       </p:sp>
@@ -3137,8 +3143,8 @@
         </p:nvSpPr>
         <p:spPr>
           <a:xfrm>
-            <a:off x="799935" y="738300"/>
-            <a:ext cx="539496" cy="338554"/>
+            <a:off x="927444" y="590640"/>
+            <a:ext cx="431597" cy="289310"/>
           </a:xfrm>
           <a:prstGeom prst="rect">
             <a:avLst/>
@@ -3152,7 +3158,7 @@
           <a:lstStyle/>
           <a:p>
             <a:r>
-              <a:rPr lang="fr-FR" sz="1600" b="1" dirty="0"/>
+              <a:rPr lang="fr-FR" sz="1280" b="1" dirty="0"/>
               <a:t>G1</a:t>
             </a:r>
           </a:p>
@@ -3166,8 +3172,8 @@
         </p:nvSpPr>
         <p:spPr>
           <a:xfrm>
-            <a:off x="799804" y="1208270"/>
-            <a:ext cx="539496" cy="338554"/>
+            <a:off x="927339" y="966616"/>
+            <a:ext cx="431597" cy="289310"/>
           </a:xfrm>
           <a:prstGeom prst="rect">
             <a:avLst/>
@@ -3181,7 +3187,7 @@
           <a:lstStyle/>
           <a:p>
             <a:r>
-              <a:rPr lang="fr-FR" sz="1600" b="1" dirty="0"/>
+              <a:rPr lang="fr-FR" sz="1280" b="1" dirty="0"/>
               <a:t>G2</a:t>
             </a:r>
           </a:p>
@@ -3195,8 +3201,8 @@
         </p:nvSpPr>
         <p:spPr>
           <a:xfrm>
-            <a:off x="663038" y="1945916"/>
-            <a:ext cx="727293" cy="307777"/>
+            <a:off x="817927" y="1556733"/>
+            <a:ext cx="581834" cy="264688"/>
           </a:xfrm>
           <a:prstGeom prst="rect">
             <a:avLst/>
@@ -3210,10 +3216,10 @@
           <a:lstStyle/>
           <a:p>
             <a:r>
-              <a:rPr lang="fr-FR" sz="1400" b="1" dirty="0" smtClean="0"/>
+              <a:rPr lang="fr-FR" sz="1120" b="1" dirty="0"/>
               <a:t>G180</a:t>
             </a:r>
-            <a:endParaRPr lang="fr-FR" sz="1400" b="1" dirty="0"/>
+            <a:endParaRPr lang="fr-FR" sz="1120" b="1" dirty="0"/>
           </a:p>
         </p:txBody>
       </p:sp>
@@ -3225,8 +3231,8 @@
         </p:nvSpPr>
         <p:spPr>
           <a:xfrm>
-            <a:off x="2328392" y="545973"/>
-            <a:ext cx="1328357" cy="1840955"/>
+            <a:off x="2150210" y="436779"/>
+            <a:ext cx="1062686" cy="1472764"/>
           </a:xfrm>
           <a:prstGeom prst="rect">
             <a:avLst/>
@@ -3238,11 +3244,7 @@
             </a:schemeClr>
           </a:solidFill>
           <a:ln>
-            <a:solidFill>
-              <a:schemeClr val="accent6">
-                <a:lumMod val="75000"/>
-              </a:schemeClr>
-            </a:solidFill>
+            <a:noFill/>
           </a:ln>
         </p:spPr>
         <p:style>
@@ -3262,7 +3264,7 @@
           </a:fontRef>
         </p:style>
         <p:txBody>
-          <a:bodyPr rot="0" spcFirstLastPara="0" vertOverflow="overflow" horzOverflow="overflow" vert="horz" wrap="square" lIns="91440" tIns="45720" rIns="91440" bIns="45720" numCol="1" spcCol="0" rtlCol="0" fromWordArt="0" anchor="ctr" anchorCtr="0" forceAA="0" compatLnSpc="1">
+          <a:bodyPr rot="0" spcFirstLastPara="0" vertOverflow="overflow" horzOverflow="overflow" vert="horz" wrap="square" lIns="73152" tIns="36576" rIns="73152" bIns="36576" numCol="1" spcCol="0" rtlCol="0" fromWordArt="0" anchor="ctr" anchorCtr="0" forceAA="0" compatLnSpc="1">
             <a:prstTxWarp prst="textNoShape">
               <a:avLst/>
             </a:prstTxWarp>
@@ -3272,7 +3274,7 @@
           <a:p>
             <a:pPr algn="ctr"/>
             <a:r>
-              <a:rPr lang="fr-FR" sz="1600" dirty="0">
+              <a:rPr lang="fr-FR" sz="1280" dirty="0">
                 <a:solidFill>
                   <a:schemeClr val="tx1"/>
                 </a:solidFill>
@@ -3280,14 +3282,14 @@
               <a:t>Moyenne de la taille des grains par </a:t>
             </a:r>
             <a:r>
-              <a:rPr lang="fr-FR" sz="1600" dirty="0" smtClean="0">
+              <a:rPr lang="fr-FR" sz="1280" dirty="0">
                 <a:solidFill>
                   <a:schemeClr val="tx1"/>
                 </a:solidFill>
               </a:rPr>
               <a:t>lot</a:t>
             </a:r>
-            <a:endParaRPr lang="fr-FR" sz="1600" dirty="0">
+            <a:endParaRPr lang="fr-FR" sz="1280" dirty="0">
               <a:solidFill>
                 <a:schemeClr val="tx1"/>
               </a:solidFill>
@@ -3306,8 +3308,8 @@
         </p:nvCxnSpPr>
         <p:spPr>
           <a:xfrm>
-            <a:off x="2048232" y="1466451"/>
-            <a:ext cx="280160" cy="0"/>
+            <a:off x="1926082" y="1173161"/>
+            <a:ext cx="224128" cy="0"/>
           </a:xfrm>
           <a:prstGeom prst="straightConnector1">
             <a:avLst/>
@@ -3345,8 +3347,8 @@
         </p:nvCxnSpPr>
         <p:spPr>
           <a:xfrm flipV="1">
-            <a:off x="3656749" y="1466450"/>
-            <a:ext cx="1305283" cy="1"/>
+            <a:off x="3212896" y="1173161"/>
+            <a:ext cx="1044226" cy="1"/>
           </a:xfrm>
           <a:prstGeom prst="straightConnector1">
             <a:avLst/>
@@ -3381,8 +3383,8 @@
         </p:nvSpPr>
         <p:spPr>
           <a:xfrm>
-            <a:off x="3595022" y="737893"/>
-            <a:ext cx="1434687" cy="738664"/>
+            <a:off x="3163514" y="590315"/>
+            <a:ext cx="1093607" cy="609398"/>
           </a:xfrm>
           <a:prstGeom prst="rect">
             <a:avLst/>
@@ -3397,26 +3399,22 @@
           <a:p>
             <a:pPr algn="ctr"/>
             <a:r>
-              <a:rPr lang="fr-FR" sz="1400" dirty="0"/>
+              <a:rPr lang="fr-FR" sz="1120" dirty="0"/>
               <a:t>Echantillonnage </a:t>
             </a:r>
             <a:r>
-              <a:rPr lang="fr-FR" sz="1400" b="1" dirty="0"/>
+              <a:rPr lang="fr-FR" sz="1120" b="1" dirty="0"/>
               <a:t>aléatoire</a:t>
             </a:r>
             <a:r>
-              <a:rPr lang="fr-FR" sz="1400" dirty="0"/>
+              <a:rPr lang="fr-FR" sz="1120" dirty="0"/>
               <a:t> de NEO </a:t>
             </a:r>
             <a:r>
-              <a:rPr lang="fr-FR" sz="1400" dirty="0" smtClean="0"/>
-              <a:t>lot</a:t>
-            </a:r>
-            <a:r>
-              <a:rPr lang="fr-FR" sz="1400" dirty="0" smtClean="0"/>
-              <a:t>s (x100)</a:t>
-            </a:r>
-            <a:endParaRPr lang="fr-FR" sz="1400" dirty="0"/>
+              <a:rPr lang="fr-FR" sz="1120" dirty="0"/>
+              <a:t>lots</a:t>
+            </a:r>
+            <a:endParaRPr lang="fr-FR" sz="1120" dirty="0"/>
           </a:p>
         </p:txBody>
       </p:sp>
@@ -3428,8 +3426,8 @@
         </p:nvSpPr>
         <p:spPr>
           <a:xfrm>
-            <a:off x="4962032" y="807491"/>
-            <a:ext cx="1328357" cy="1317917"/>
+            <a:off x="4257122" y="645993"/>
+            <a:ext cx="1062686" cy="1054334"/>
           </a:xfrm>
           <a:prstGeom prst="rect">
             <a:avLst/>
@@ -3441,11 +3439,7 @@
             </a:schemeClr>
           </a:solidFill>
           <a:ln>
-            <a:solidFill>
-              <a:schemeClr val="accent6">
-                <a:lumMod val="75000"/>
-              </a:schemeClr>
-            </a:solidFill>
+            <a:noFill/>
           </a:ln>
         </p:spPr>
         <p:style>
@@ -3465,7 +3459,7 @@
           </a:fontRef>
         </p:style>
         <p:txBody>
-          <a:bodyPr rot="0" spcFirstLastPara="0" vertOverflow="overflow" horzOverflow="overflow" vert="horz" wrap="square" lIns="91440" tIns="45720" rIns="91440" bIns="45720" numCol="1" spcCol="0" rtlCol="0" fromWordArt="0" anchor="ctr" anchorCtr="0" forceAA="0" compatLnSpc="1">
+          <a:bodyPr rot="0" spcFirstLastPara="0" vertOverflow="overflow" horzOverflow="overflow" vert="horz" wrap="square" lIns="73152" tIns="36576" rIns="73152" bIns="36576" numCol="1" spcCol="0" rtlCol="0" fromWordArt="0" anchor="ctr" anchorCtr="0" forceAA="0" compatLnSpc="1">
             <a:prstTxWarp prst="textNoShape">
               <a:avLst/>
             </a:prstTxWarp>
@@ -3475,7 +3469,7 @@
           <a:p>
             <a:pPr algn="ctr"/>
             <a:r>
-              <a:rPr lang="fr-FR" sz="1600" dirty="0">
+              <a:rPr lang="fr-FR" sz="1280" dirty="0">
                 <a:solidFill>
                   <a:schemeClr val="tx1"/>
                 </a:solidFill>
@@ -3483,23 +3477,15 @@
               <a:t>L</a:t>
             </a:r>
             <a:r>
-              <a:rPr lang="fr-FR" sz="1600" dirty="0" smtClean="0">
+              <a:rPr lang="fr-FR" sz="1280" dirty="0">
                 <a:solidFill>
                   <a:schemeClr val="tx1"/>
                 </a:solidFill>
               </a:rPr>
-              <a:t>ots</a:t>
-            </a:r>
-            <a:r>
-              <a:rPr lang="fr-FR" sz="1600" dirty="0" smtClean="0">
-                <a:solidFill>
-                  <a:schemeClr val="tx1"/>
-                </a:solidFill>
-              </a:rPr>
-              <a:t> </a:t>
-            </a:r>
-            <a:r>
-              <a:rPr lang="fr-FR" sz="1600" dirty="0">
+              <a:t>ots </a:t>
+            </a:r>
+            <a:r>
+              <a:rPr lang="fr-FR" sz="1280" dirty="0">
                 <a:solidFill>
                   <a:schemeClr val="tx1"/>
                 </a:solidFill>
@@ -3517,8 +3503,8 @@
         </p:nvSpPr>
         <p:spPr>
           <a:xfrm>
-            <a:off x="5916582" y="2707604"/>
-            <a:ext cx="1328357" cy="670158"/>
+            <a:off x="5020762" y="2166084"/>
+            <a:ext cx="1062686" cy="536126"/>
           </a:xfrm>
           <a:prstGeom prst="rect">
             <a:avLst/>
@@ -3530,11 +3516,7 @@
             </a:schemeClr>
           </a:solidFill>
           <a:ln>
-            <a:solidFill>
-              <a:schemeClr val="accent6">
-                <a:lumMod val="75000"/>
-              </a:schemeClr>
-            </a:solidFill>
+            <a:noFill/>
           </a:ln>
         </p:spPr>
         <p:style>
@@ -3554,7 +3536,7 @@
           </a:fontRef>
         </p:style>
         <p:txBody>
-          <a:bodyPr rot="0" spcFirstLastPara="0" vertOverflow="overflow" horzOverflow="overflow" vert="horz" wrap="square" lIns="91440" tIns="45720" rIns="91440" bIns="45720" numCol="1" spcCol="0" rtlCol="0" fromWordArt="0" anchor="ctr" anchorCtr="0" forceAA="0" compatLnSpc="1">
+          <a:bodyPr rot="0" spcFirstLastPara="0" vertOverflow="overflow" horzOverflow="overflow" vert="horz" wrap="square" lIns="73152" tIns="36576" rIns="73152" bIns="36576" numCol="1" spcCol="0" rtlCol="0" fromWordArt="0" anchor="ctr" anchorCtr="0" forceAA="0" compatLnSpc="1">
             <a:prstTxWarp prst="textNoShape">
               <a:avLst/>
             </a:prstTxWarp>
@@ -3564,7 +3546,7 @@
           <a:p>
             <a:pPr algn="ctr"/>
             <a:r>
-              <a:rPr lang="fr-FR" sz="1600" dirty="0" smtClean="0">
+              <a:rPr lang="fr-FR" sz="1280" dirty="0">
                 <a:solidFill>
                   <a:schemeClr val="tx1"/>
                 </a:solidFill>
@@ -3572,7 +3554,7 @@
               <a:t>Lots </a:t>
             </a:r>
             <a:r>
-              <a:rPr lang="fr-FR" sz="1600" dirty="0">
+              <a:rPr lang="fr-FR" sz="1280" dirty="0">
                 <a:solidFill>
                   <a:schemeClr val="tx1"/>
                 </a:solidFill>
@@ -3593,8 +3575,8 @@
         </p:nvCxnSpPr>
         <p:spPr>
           <a:xfrm>
-            <a:off x="6522617" y="1208270"/>
-            <a:ext cx="58144" cy="1499334"/>
+            <a:off x="5505590" y="966616"/>
+            <a:ext cx="46515" cy="1199467"/>
           </a:xfrm>
           <a:prstGeom prst="bentConnector2">
             <a:avLst/>
@@ -3629,8 +3611,8 @@
         </p:nvSpPr>
         <p:spPr>
           <a:xfrm>
-            <a:off x="6667706" y="1298562"/>
-            <a:ext cx="1186322" cy="954107"/>
+            <a:off x="5621661" y="1038850"/>
+            <a:ext cx="949058" cy="781752"/>
           </a:xfrm>
           <a:prstGeom prst="rect">
             <a:avLst/>
@@ -3644,19 +3626,19 @@
           <a:lstStyle/>
           <a:p>
             <a:r>
-              <a:rPr lang="fr-FR" sz="1400" dirty="0" err="1"/>
+              <a:rPr lang="fr-FR" sz="1120" dirty="0" err="1"/>
               <a:t>nsel</a:t>
             </a:r>
             <a:r>
-              <a:rPr lang="fr-FR" sz="1400" dirty="0"/>
+              <a:rPr lang="fr-FR" sz="1120" dirty="0"/>
               <a:t>/NGE </a:t>
             </a:r>
             <a:r>
-              <a:rPr lang="fr-FR" sz="1400" dirty="0" smtClean="0"/>
+              <a:rPr lang="fr-FR" sz="1120" dirty="0"/>
               <a:t>lots </a:t>
             </a:r>
             <a:r>
-              <a:rPr lang="fr-FR" sz="1400" dirty="0"/>
+              <a:rPr lang="fr-FR" sz="1120" dirty="0"/>
               <a:t>avec les plus grandes moyennes</a:t>
             </a:r>
           </a:p>
@@ -3670,12 +3652,18 @@
         </p:nvSpPr>
         <p:spPr>
           <a:xfrm>
-            <a:off x="3927792" y="3470424"/>
-            <a:ext cx="1443082" cy="1783080"/>
+            <a:off x="3429729" y="2776339"/>
+            <a:ext cx="1154466" cy="1426464"/>
           </a:xfrm>
           <a:prstGeom prst="rect">
             <a:avLst/>
           </a:prstGeom>
+          <a:solidFill>
+            <a:schemeClr val="accent1">
+              <a:lumMod val="60000"/>
+              <a:lumOff val="40000"/>
+            </a:schemeClr>
+          </a:solidFill>
           <a:ln>
             <a:noFill/>
           </a:ln>
@@ -3697,7 +3685,7 @@
           </a:fontRef>
         </p:style>
         <p:txBody>
-          <a:bodyPr rot="0" spcFirstLastPara="0" vertOverflow="overflow" horzOverflow="overflow" vert="horz" wrap="square" lIns="91440" tIns="45720" rIns="91440" bIns="45720" numCol="1" spcCol="0" rtlCol="0" fromWordArt="0" anchor="ctr" anchorCtr="0" forceAA="0" compatLnSpc="1">
+          <a:bodyPr rot="0" spcFirstLastPara="0" vertOverflow="overflow" horzOverflow="overflow" vert="horz" wrap="square" lIns="73152" tIns="36576" rIns="73152" bIns="36576" numCol="1" spcCol="0" rtlCol="0" fromWordArt="0" anchor="ctr" anchorCtr="0" forceAA="0" compatLnSpc="1">
             <a:prstTxWarp prst="textNoShape">
               <a:avLst/>
             </a:prstTxWarp>
@@ -3707,14 +3695,26 @@
           <a:p>
             <a:pPr algn="ctr"/>
             <a:r>
-              <a:rPr lang="fr-FR" dirty="0"/>
+              <a:rPr lang="fr-FR" sz="1206" dirty="0">
+                <a:solidFill>
+                  <a:schemeClr val="tx1"/>
+                </a:solidFill>
+              </a:rPr>
               <a:t>Données </a:t>
             </a:r>
             <a:r>
-              <a:rPr lang="fr-FR" dirty="0" smtClean="0"/>
-              <a:t>brutes (population non sélectionnée)</a:t>
-            </a:r>
-            <a:endParaRPr lang="fr-FR" dirty="0"/>
+              <a:rPr lang="fr-FR" sz="1206" dirty="0">
+                <a:solidFill>
+                  <a:schemeClr val="tx1"/>
+                </a:solidFill>
+              </a:rPr>
+              <a:t>brutes </a:t>
+            </a:r>
+            <a:endParaRPr lang="fr-FR" sz="1206" dirty="0">
+              <a:solidFill>
+                <a:schemeClr val="tx1"/>
+              </a:solidFill>
+            </a:endParaRPr>
           </a:p>
         </p:txBody>
       </p:sp>
@@ -3726,8 +3726,8 @@
         </p:nvSpPr>
         <p:spPr>
           <a:xfrm>
-            <a:off x="6789961" y="3571312"/>
-            <a:ext cx="1348244" cy="826008"/>
+            <a:off x="5719465" y="2857050"/>
+            <a:ext cx="1078595" cy="660806"/>
           </a:xfrm>
           <a:prstGeom prst="rect">
             <a:avLst/>
@@ -3736,7 +3736,9 @@
             <a:schemeClr val="accent6"/>
           </a:solidFill>
           <a:ln>
-            <a:noFill/>
+            <a:solidFill>
+              <a:schemeClr val="tx1"/>
+            </a:solidFill>
           </a:ln>
         </p:spPr>
         <p:style>
@@ -3756,7 +3758,7 @@
           </a:fontRef>
         </p:style>
         <p:txBody>
-          <a:bodyPr rot="0" spcFirstLastPara="0" vertOverflow="overflow" horzOverflow="overflow" vert="horz" wrap="square" lIns="91440" tIns="45720" rIns="91440" bIns="45720" numCol="1" spcCol="0" rtlCol="0" fromWordArt="0" anchor="ctr" anchorCtr="0" forceAA="0" compatLnSpc="1">
+          <a:bodyPr rot="0" spcFirstLastPara="0" vertOverflow="overflow" horzOverflow="overflow" vert="horz" wrap="square" lIns="73152" tIns="36576" rIns="73152" bIns="36576" numCol="1" spcCol="0" rtlCol="0" fromWordArt="0" anchor="ctr" anchorCtr="0" forceAA="0" compatLnSpc="1">
             <a:prstTxWarp prst="textNoShape">
               <a:avLst/>
             </a:prstTxWarp>
@@ -3766,7 +3768,7 @@
           <a:p>
             <a:pPr algn="ctr"/>
             <a:r>
-              <a:rPr lang="fr-FR" sz="1600" dirty="0"/>
+              <a:rPr lang="fr-FR" sz="1280" dirty="0"/>
               <a:t>Population sélectionnée sur épi</a:t>
             </a:r>
           </a:p>
@@ -3780,8 +3782,8 @@
         </p:nvSpPr>
         <p:spPr>
           <a:xfrm>
-            <a:off x="251885" y="2272084"/>
-            <a:ext cx="2160096" cy="738664"/>
+            <a:off x="489004" y="1817668"/>
+            <a:ext cx="1728077" cy="437043"/>
           </a:xfrm>
           <a:prstGeom prst="rect">
             <a:avLst/>
@@ -3796,9 +3798,14 @@
           <a:p>
             <a:pPr algn="ctr"/>
             <a:r>
-              <a:rPr lang="fr-FR" sz="1400" dirty="0"/>
-              <a:t>Chaque lot de 12 grain est considéré comme 1 épi (il y a donc 1 épi par génotype)</a:t>
-            </a:r>
+              <a:rPr lang="fr-FR" sz="1120" dirty="0"/>
+              <a:t>Chaque lot de 12 grain est considéré comme 1 </a:t>
+            </a:r>
+            <a:r>
+              <a:rPr lang="fr-FR" sz="1120" dirty="0"/>
+              <a:t>épi</a:t>
+            </a:r>
+            <a:endParaRPr lang="fr-FR" sz="1120" dirty="0"/>
           </a:p>
         </p:txBody>
       </p:sp>
@@ -3810,8 +3817,8 @@
         </p:nvSpPr>
         <p:spPr>
           <a:xfrm flipH="1">
-            <a:off x="6290388" y="823861"/>
-            <a:ext cx="232229" cy="768818"/>
+            <a:off x="5319807" y="659089"/>
+            <a:ext cx="185783" cy="615054"/>
           </a:xfrm>
           <a:prstGeom prst="leftBrace">
             <a:avLst/>
@@ -3841,7 +3848,7 @@
           <a:lstStyle/>
           <a:p>
             <a:pPr algn="ctr"/>
-            <a:endParaRPr lang="fr-FR"/>
+            <a:endParaRPr lang="fr-FR" sz="1206"/>
           </a:p>
         </p:txBody>
       </p:sp>
@@ -3853,8 +3860,8 @@
         </p:nvSpPr>
         <p:spPr>
           <a:xfrm flipH="1">
-            <a:off x="5343617" y="3480717"/>
-            <a:ext cx="232229" cy="946541"/>
+            <a:off x="4562389" y="2784574"/>
+            <a:ext cx="185783" cy="640282"/>
           </a:xfrm>
           <a:prstGeom prst="leftBrace">
             <a:avLst/>
@@ -3884,7 +3891,7 @@
           <a:lstStyle/>
           <a:p>
             <a:pPr algn="ctr"/>
-            <a:endParaRPr lang="fr-FR"/>
+            <a:endParaRPr lang="fr-FR" sz="1206"/>
           </a:p>
         </p:txBody>
       </p:sp>
@@ -3896,12 +3903,12 @@
         </p:nvSpPr>
         <p:spPr>
           <a:xfrm>
-            <a:off x="5575846" y="3418444"/>
-            <a:ext cx="1214115" cy="1299574"/>
+            <a:off x="4748173" y="2734756"/>
+            <a:ext cx="971292" cy="1039659"/>
           </a:xfrm>
           <a:prstGeom prst="arc">
             <a:avLst>
-              <a:gd name="adj1" fmla="val 11463237"/>
+              <a:gd name="adj1" fmla="val 11940214"/>
               <a:gd name="adj2" fmla="val 19313475"/>
             </a:avLst>
           </a:prstGeom>
@@ -3930,7 +3937,7 @@
           <a:lstStyle/>
           <a:p>
             <a:pPr algn="ctr"/>
-            <a:endParaRPr lang="fr-FR"/>
+            <a:endParaRPr lang="fr-FR" sz="1206"/>
           </a:p>
         </p:txBody>
       </p:sp>
@@ -3945,8 +3952,8 @@
         </p:nvCxnSpPr>
         <p:spPr>
           <a:xfrm>
-            <a:off x="6667706" y="3667165"/>
-            <a:ext cx="122255" cy="317151"/>
+            <a:off x="5625552" y="2947331"/>
+            <a:ext cx="93913" cy="240122"/>
           </a:xfrm>
           <a:prstGeom prst="straightConnector1">
             <a:avLst/>
@@ -3981,8 +3988,8 @@
         </p:nvSpPr>
         <p:spPr>
           <a:xfrm>
-            <a:off x="873192" y="151848"/>
-            <a:ext cx="1292126" cy="523220"/>
+            <a:off x="986050" y="121479"/>
+            <a:ext cx="1033701" cy="437043"/>
           </a:xfrm>
           <a:prstGeom prst="rect">
             <a:avLst/>
@@ -3997,10 +4004,10 @@
           <a:p>
             <a:pPr algn="ctr"/>
             <a:r>
-              <a:rPr lang="fr-FR" sz="1400" dirty="0"/>
+              <a:rPr lang="fr-FR" sz="1120" dirty="0"/>
               <a:t>12 grains par génotype</a:t>
             </a:r>
-            <a:endParaRPr lang="fr-FR" dirty="0"/>
+            <a:endParaRPr lang="fr-FR" sz="1206" dirty="0"/>
           </a:p>
         </p:txBody>
       </p:sp>
@@ -4012,8 +4019,8 @@
         </p:nvSpPr>
         <p:spPr>
           <a:xfrm>
-            <a:off x="2247171" y="3339165"/>
-            <a:ext cx="1615980" cy="523220"/>
+            <a:off x="2085233" y="2671333"/>
+            <a:ext cx="1292784" cy="437043"/>
           </a:xfrm>
           <a:prstGeom prst="rect">
             <a:avLst/>
@@ -4027,11 +4034,11 @@
           <a:lstStyle/>
           <a:p>
             <a:r>
-              <a:rPr lang="fr-FR" sz="1400" dirty="0" err="1"/>
+              <a:rPr lang="fr-FR" sz="1120" dirty="0" err="1"/>
               <a:t>nsel</a:t>
             </a:r>
             <a:r>
-              <a:rPr lang="fr-FR" sz="1400" dirty="0"/>
+              <a:rPr lang="fr-FR" sz="1120" dirty="0"/>
               <a:t> grains plantés les plus gros</a:t>
             </a:r>
           </a:p>
@@ -4045,8 +4052,8 @@
         </p:nvSpPr>
         <p:spPr>
           <a:xfrm>
-            <a:off x="1910211" y="4273632"/>
-            <a:ext cx="1348244" cy="826008"/>
+            <a:off x="1815665" y="3418906"/>
+            <a:ext cx="1078595" cy="660806"/>
           </a:xfrm>
           <a:prstGeom prst="rect">
             <a:avLst/>
@@ -4055,7 +4062,9 @@
             <a:schemeClr val="accent2"/>
           </a:solidFill>
           <a:ln>
-            <a:noFill/>
+            <a:solidFill>
+              <a:schemeClr val="tx1"/>
+            </a:solidFill>
           </a:ln>
         </p:spPr>
         <p:style>
@@ -4075,7 +4084,7 @@
           </a:fontRef>
         </p:style>
         <p:txBody>
-          <a:bodyPr rot="0" spcFirstLastPara="0" vertOverflow="overflow" horzOverflow="overflow" vert="horz" wrap="square" lIns="91440" tIns="45720" rIns="91440" bIns="45720" numCol="1" spcCol="0" rtlCol="0" fromWordArt="0" anchor="ctr" anchorCtr="0" forceAA="0" compatLnSpc="1">
+          <a:bodyPr rot="0" spcFirstLastPara="0" vertOverflow="overflow" horzOverflow="overflow" vert="horz" wrap="square" lIns="73152" tIns="36576" rIns="73152" bIns="36576" numCol="1" spcCol="0" rtlCol="0" fromWordArt="0" anchor="ctr" anchorCtr="0" forceAA="0" compatLnSpc="1">
             <a:prstTxWarp prst="textNoShape">
               <a:avLst/>
             </a:prstTxWarp>
@@ -4085,7 +4094,7 @@
           <a:p>
             <a:pPr algn="ctr"/>
             <a:r>
-              <a:rPr lang="fr-FR" sz="1600" dirty="0"/>
+              <a:rPr lang="fr-FR" sz="1280" dirty="0"/>
               <a:t>Population sélectionnée sur grain</a:t>
             </a:r>
           </a:p>
@@ -4102,8 +4111,8 @@
         </p:nvCxnSpPr>
         <p:spPr>
           <a:xfrm rot="10800000" flipV="1">
-            <a:off x="2584333" y="3936046"/>
-            <a:ext cx="1111856" cy="337585"/>
+            <a:off x="2354962" y="3107175"/>
+            <a:ext cx="857933" cy="311731"/>
           </a:xfrm>
           <a:prstGeom prst="bentConnector2">
             <a:avLst/>
@@ -4138,8 +4147,8 @@
         </p:nvSpPr>
         <p:spPr>
           <a:xfrm>
-            <a:off x="3696189" y="3472797"/>
-            <a:ext cx="225667" cy="926499"/>
+            <a:off x="3212895" y="2778239"/>
+            <a:ext cx="212086" cy="657872"/>
           </a:xfrm>
           <a:prstGeom prst="leftBrace">
             <a:avLst/>
@@ -4169,7 +4178,7 @@
           <a:lstStyle/>
           <a:p>
             <a:pPr algn="ctr"/>
-            <a:endParaRPr lang="fr-FR"/>
+            <a:endParaRPr lang="fr-FR" sz="1206"/>
           </a:p>
         </p:txBody>
       </p:sp>
@@ -4183,8 +4192,8 @@
             </p:nvSpPr>
             <p:spPr>
               <a:xfrm>
-                <a:off x="2526713" y="5770594"/>
-                <a:ext cx="3985002" cy="391646"/>
+                <a:off x="449587" y="4616475"/>
+                <a:ext cx="2884444" cy="305212"/>
               </a:xfrm>
               <a:prstGeom prst="rect">
                 <a:avLst/>
@@ -4206,14 +4215,14 @@
                       <m:sSub>
                         <m:sSubPr>
                           <m:ctrlPr>
-                            <a:rPr lang="fr-FR" i="1">
+                            <a:rPr lang="fr-FR" sz="1280" i="1">
                               <a:latin typeface="Cambria Math" panose="02040503050406030204" pitchFamily="18" charset="0"/>
                             </a:rPr>
                           </m:ctrlPr>
                         </m:sSubPr>
                         <m:e>
                           <m:r>
-                            <a:rPr lang="fr-FR" i="1">
+                            <a:rPr lang="fr-FR" sz="1280" i="1">
                               <a:latin typeface="Cambria Math" panose="02040503050406030204" pitchFamily="18" charset="0"/>
                             </a:rPr>
                             <m:t>𝑌</m:t>
@@ -4221,7 +4230,7 @@
                         </m:e>
                         <m:sub>
                           <m:r>
-                            <a:rPr lang="fr-FR" i="1">
+                            <a:rPr lang="fr-FR" sz="1280" i="1">
                               <a:latin typeface="Cambria Math" panose="02040503050406030204" pitchFamily="18" charset="0"/>
                             </a:rPr>
                             <m:t>𝑖𝑗𝑘</m:t>
@@ -4229,13 +4238,13 @@
                         </m:sub>
                       </m:sSub>
                       <m:r>
-                        <a:rPr lang="fr-FR">
+                        <a:rPr lang="fr-FR" sz="1280">
                           <a:latin typeface="Cambria Math" panose="02040503050406030204" pitchFamily="18" charset="0"/>
                         </a:rPr>
                         <m:t>=µ+</m:t>
                       </m:r>
                       <m:r>
-                        <a:rPr lang="fr-FR" i="1">
+                        <a:rPr lang="fr-FR" sz="1280" i="1">
                           <a:latin typeface="Cambria Math" panose="02040503050406030204" pitchFamily="18" charset="0"/>
                         </a:rPr>
                         <m:t>𝐵𝐴</m:t>
@@ -4243,14 +4252,14 @@
                       <m:sSub>
                         <m:sSubPr>
                           <m:ctrlPr>
-                            <a:rPr lang="fr-FR" i="1">
+                            <a:rPr lang="fr-FR" sz="1280" i="1">
                               <a:latin typeface="Cambria Math" panose="02040503050406030204" pitchFamily="18" charset="0"/>
                             </a:rPr>
                           </m:ctrlPr>
                         </m:sSubPr>
                         <m:e>
                           <m:r>
-                            <a:rPr lang="fr-FR" i="1">
+                            <a:rPr lang="fr-FR" sz="1280" i="1">
                               <a:latin typeface="Cambria Math" panose="02040503050406030204" pitchFamily="18" charset="0"/>
                             </a:rPr>
                             <m:t>𝐶</m:t>
@@ -4258,7 +4267,7 @@
                         </m:e>
                         <m:sub>
                           <m:r>
-                            <a:rPr lang="fr-FR" i="1">
+                            <a:rPr lang="fr-FR" sz="1280" i="1">
                               <a:latin typeface="Cambria Math" panose="02040503050406030204" pitchFamily="18" charset="0"/>
                             </a:rPr>
                             <m:t>𝑖</m:t>
@@ -4266,13 +4275,13 @@
                         </m:sub>
                       </m:sSub>
                       <m:r>
-                        <a:rPr lang="fr-FR">
+                        <a:rPr lang="fr-FR" sz="1280">
                           <a:latin typeface="Cambria Math" panose="02040503050406030204" pitchFamily="18" charset="0"/>
                         </a:rPr>
                         <m:t>+</m:t>
                       </m:r>
                       <m:r>
-                        <a:rPr lang="fr-FR" i="1">
+                        <a:rPr lang="fr-FR" sz="1280" i="1">
                           <a:latin typeface="Cambria Math" panose="02040503050406030204" pitchFamily="18" charset="0"/>
                         </a:rPr>
                         <m:t>𝑆𝐸𝐿𝐸𝐶𝑇𝐼𝑂</m:t>
@@ -4280,14 +4289,14 @@
                       <m:sSub>
                         <m:sSubPr>
                           <m:ctrlPr>
-                            <a:rPr lang="fr-FR" i="1">
+                            <a:rPr lang="fr-FR" sz="1280" i="1">
                               <a:latin typeface="Cambria Math" panose="02040503050406030204" pitchFamily="18" charset="0"/>
                             </a:rPr>
                           </m:ctrlPr>
                         </m:sSubPr>
                         <m:e>
                           <m:r>
-                            <a:rPr lang="fr-FR" i="1">
+                            <a:rPr lang="fr-FR" sz="1280" i="1">
                               <a:latin typeface="Cambria Math" panose="02040503050406030204" pitchFamily="18" charset="0"/>
                             </a:rPr>
                             <m:t>𝑁</m:t>
@@ -4295,7 +4304,7 @@
                         </m:e>
                         <m:sub>
                           <m:r>
-                            <a:rPr lang="fr-FR" i="1">
+                            <a:rPr lang="fr-FR" sz="1280" i="1">
                               <a:latin typeface="Cambria Math" panose="02040503050406030204" pitchFamily="18" charset="0"/>
                             </a:rPr>
                             <m:t>𝑗</m:t>
@@ -4303,7 +4312,7 @@
                         </m:sub>
                       </m:sSub>
                       <m:r>
-                        <a:rPr lang="fr-FR">
+                        <a:rPr lang="fr-FR" sz="1280">
                           <a:latin typeface="Cambria Math" panose="02040503050406030204" pitchFamily="18" charset="0"/>
                         </a:rPr>
                         <m:t>+</m:t>
@@ -4311,14 +4320,14 @@
                       <m:sSub>
                         <m:sSubPr>
                           <m:ctrlPr>
-                            <a:rPr lang="fr-FR" i="1">
+                            <a:rPr lang="fr-FR" sz="1280" i="1">
                               <a:latin typeface="Cambria Math" panose="02040503050406030204" pitchFamily="18" charset="0"/>
                             </a:rPr>
                           </m:ctrlPr>
                         </m:sSubPr>
                         <m:e>
                           <m:r>
-                            <a:rPr lang="fr-FR" i="1">
+                            <a:rPr lang="fr-FR" sz="1280" i="1">
                               <a:latin typeface="Cambria Math" panose="02040503050406030204" pitchFamily="18" charset="0"/>
                             </a:rPr>
                             <m:t>𝜀</m:t>
@@ -4326,7 +4335,7 @@
                         </m:e>
                         <m:sub>
                           <m:r>
-                            <a:rPr lang="fr-FR" i="1">
+                            <a:rPr lang="fr-FR" sz="1280" i="1">
                               <a:latin typeface="Cambria Math" panose="02040503050406030204" pitchFamily="18" charset="0"/>
                             </a:rPr>
                             <m:t>𝑖𝑗𝑘</m:t>
@@ -4336,7 +4345,7 @@
                     </m:oMath>
                   </m:oMathPara>
                 </a14:m>
-                <a:endParaRPr lang="fr-FR" dirty="0"/>
+                <a:endParaRPr lang="fr-FR" sz="1280" dirty="0"/>
               </a:p>
             </p:txBody>
           </p:sp>
@@ -4352,8 +4361,8 @@
             </p:nvSpPr>
             <p:spPr>
               <a:xfrm>
-                <a:off x="2526713" y="5770594"/>
-                <a:ext cx="3985002" cy="391646"/>
+                <a:off x="449587" y="4616475"/>
+                <a:ext cx="2884444" cy="305212"/>
               </a:xfrm>
               <a:prstGeom prst="rect">
                 <a:avLst/>
@@ -4361,7 +4370,7 @@
               <a:blipFill>
                 <a:blip r:embed="rId3"/>
                 <a:stretch>
-                  <a:fillRect b="-7813"/>
+                  <a:fillRect b="-4000"/>
                 </a:stretch>
               </a:blipFill>
             </p:spPr>
@@ -4383,13 +4392,15 @@
       <p:cxnSp>
         <p:nvCxnSpPr>
           <p:cNvPr id="132" name="Connecteur droit avec flèche 131"/>
-          <p:cNvCxnSpPr/>
+          <p:cNvCxnSpPr>
+            <a:endCxn id="134" idx="0"/>
+          </p:cNvCxnSpPr>
           <p:nvPr/>
         </p:nvCxnSpPr>
         <p:spPr>
           <a:xfrm flipH="1">
-            <a:off x="3977336" y="6088377"/>
-            <a:ext cx="1128605" cy="485110"/>
+            <a:off x="1557674" y="4870702"/>
+            <a:ext cx="659408" cy="350561"/>
           </a:xfrm>
           <a:prstGeom prst="straightConnector1">
             <a:avLst/>
@@ -4419,13 +4430,15 @@
       <p:cxnSp>
         <p:nvCxnSpPr>
           <p:cNvPr id="133" name="Connecteur droit avec flèche 132"/>
-          <p:cNvCxnSpPr/>
+          <p:cNvCxnSpPr>
+            <a:endCxn id="135" idx="0"/>
+          </p:cNvCxnSpPr>
           <p:nvPr/>
         </p:nvCxnSpPr>
         <p:spPr>
           <a:xfrm>
-            <a:off x="5105939" y="6088377"/>
-            <a:ext cx="973860" cy="469988"/>
+            <a:off x="2440486" y="4870702"/>
+            <a:ext cx="645081" cy="375289"/>
           </a:xfrm>
           <a:prstGeom prst="straightConnector1">
             <a:avLst/>
@@ -4462,8 +4475,8 @@
             </p:nvSpPr>
             <p:spPr>
               <a:xfrm>
-                <a:off x="2615760" y="6529386"/>
-                <a:ext cx="2020874" cy="646331"/>
+                <a:off x="826512" y="5221263"/>
+                <a:ext cx="1462323" cy="486287"/>
               </a:xfrm>
               <a:prstGeom prst="rect">
                 <a:avLst/>
@@ -4483,7 +4496,7 @@
                     </m:oMathParaPr>
                     <m:oMath xmlns:m="http://schemas.openxmlformats.org/officeDocument/2006/math">
                       <m:r>
-                        <a:rPr lang="fr-FR" i="1">
+                        <a:rPr lang="fr-FR" sz="1280" i="1">
                           <a:latin typeface="Cambria Math" panose="02040503050406030204" pitchFamily="18" charset="0"/>
                         </a:rPr>
                         <m:t>𝑆𝐸𝐿𝐸𝐶𝑇𝐼𝑂</m:t>
@@ -4491,14 +4504,14 @@
                       <m:sSub>
                         <m:sSubPr>
                           <m:ctrlPr>
-                            <a:rPr lang="fr-FR" i="1">
+                            <a:rPr lang="fr-FR" sz="1280" i="1">
                               <a:latin typeface="Cambria Math" panose="02040503050406030204" pitchFamily="18" charset="0"/>
                             </a:rPr>
                           </m:ctrlPr>
                         </m:sSubPr>
                         <m:e>
                           <m:r>
-                            <a:rPr lang="fr-FR" i="1">
+                            <a:rPr lang="fr-FR" sz="1280" i="1">
                               <a:latin typeface="Cambria Math" panose="02040503050406030204" pitchFamily="18" charset="0"/>
                             </a:rPr>
                             <m:t>𝑁</m:t>
@@ -4506,7 +4519,7 @@
                         </m:e>
                         <m:sub>
                           <m:r>
-                            <a:rPr lang="fr-FR" i="1">
+                            <a:rPr lang="fr-FR" sz="1280" i="1">
                               <a:latin typeface="Cambria Math" panose="02040503050406030204" pitchFamily="18" charset="0"/>
                             </a:rPr>
                             <m:t>𝐺𝑅𝐴𝐼𝑁</m:t>
@@ -4516,18 +4529,18 @@
                     </m:oMath>
                   </m:oMathPara>
                 </a14:m>
-                <a:endParaRPr lang="fr-FR" dirty="0"/>
+                <a:endParaRPr lang="fr-FR" sz="1280" dirty="0"/>
               </a:p>
               <a:p>
                 <a:r>
-                  <a:rPr lang="fr-FR" dirty="0"/>
+                  <a:rPr lang="fr-FR" sz="1280" dirty="0"/>
                   <a:t>= R</a:t>
                 </a:r>
                 <a:r>
-                  <a:rPr lang="fr-FR" baseline="-25000" dirty="0"/>
+                  <a:rPr lang="fr-FR" sz="1280" baseline="-25000" dirty="0"/>
                   <a:t>GRAIN</a:t>
                 </a:r>
-                <a:endParaRPr lang="fr-FR" dirty="0"/>
+                <a:endParaRPr lang="fr-FR" sz="1280" dirty="0"/>
               </a:p>
             </p:txBody>
           </p:sp>
@@ -4543,8 +4556,8 @@
             </p:nvSpPr>
             <p:spPr>
               <a:xfrm>
-                <a:off x="2615760" y="6529386"/>
-                <a:ext cx="2020874" cy="646331"/>
+                <a:off x="826512" y="5221263"/>
+                <a:ext cx="1462323" cy="486287"/>
               </a:xfrm>
               <a:prstGeom prst="rect">
                 <a:avLst/>
@@ -4552,7 +4565,7 @@
               <a:blipFill>
                 <a:blip r:embed="rId4"/>
                 <a:stretch>
-                  <a:fillRect l="-2410" b="-14151"/>
+                  <a:fillRect l="-837" b="-11392"/>
                 </a:stretch>
               </a:blipFill>
             </p:spPr>
@@ -4581,8 +4594,8 @@
             </p:nvSpPr>
             <p:spPr>
               <a:xfrm>
-                <a:off x="5360657" y="6552982"/>
-                <a:ext cx="1794722" cy="646331"/>
+                <a:off x="2440486" y="5245991"/>
+                <a:ext cx="1290161" cy="486287"/>
               </a:xfrm>
               <a:prstGeom prst="rect">
                 <a:avLst/>
@@ -4602,7 +4615,7 @@
                     </m:oMathParaPr>
                     <m:oMath xmlns:m="http://schemas.openxmlformats.org/officeDocument/2006/math">
                       <m:r>
-                        <a:rPr lang="fr-FR" i="1">
+                        <a:rPr lang="fr-FR" sz="1280" i="1">
                           <a:latin typeface="Cambria Math" panose="02040503050406030204" pitchFamily="18" charset="0"/>
                         </a:rPr>
                         <m:t>𝑆𝐸𝐿𝐸𝐶𝑇𝐼𝑂</m:t>
@@ -4610,14 +4623,14 @@
                       <m:sSub>
                         <m:sSubPr>
                           <m:ctrlPr>
-                            <a:rPr lang="fr-FR" i="1">
+                            <a:rPr lang="fr-FR" sz="1280" i="1">
                               <a:latin typeface="Cambria Math" panose="02040503050406030204" pitchFamily="18" charset="0"/>
                             </a:rPr>
                           </m:ctrlPr>
                         </m:sSubPr>
                         <m:e>
                           <m:r>
-                            <a:rPr lang="fr-FR" i="1">
+                            <a:rPr lang="fr-FR" sz="1280" i="1">
                               <a:latin typeface="Cambria Math" panose="02040503050406030204" pitchFamily="18" charset="0"/>
                             </a:rPr>
                             <m:t>𝑁</m:t>
@@ -4625,7 +4638,7 @@
                         </m:e>
                         <m:sub>
                           <m:r>
-                            <a:rPr lang="fr-FR" i="1">
+                            <a:rPr lang="fr-FR" sz="1280" i="1">
                               <a:latin typeface="Cambria Math" panose="02040503050406030204" pitchFamily="18" charset="0"/>
                             </a:rPr>
                             <m:t>𝐸𝑃𝐼</m:t>
@@ -4635,18 +4648,18 @@
                     </m:oMath>
                   </m:oMathPara>
                 </a14:m>
-                <a:endParaRPr lang="fr-FR" dirty="0"/>
+                <a:endParaRPr lang="fr-FR" sz="1280" dirty="0"/>
               </a:p>
               <a:p>
                 <a:r>
-                  <a:rPr lang="fr-FR" dirty="0"/>
+                  <a:rPr lang="fr-FR" sz="1280" dirty="0"/>
                   <a:t>= R</a:t>
                 </a:r>
                 <a:r>
-                  <a:rPr lang="fr-FR" baseline="-25000" dirty="0"/>
+                  <a:rPr lang="fr-FR" sz="1280" baseline="-25000" dirty="0"/>
                   <a:t>EPI</a:t>
                 </a:r>
-                <a:endParaRPr lang="fr-FR" dirty="0"/>
+                <a:endParaRPr lang="fr-FR" sz="1280" dirty="0"/>
               </a:p>
             </p:txBody>
           </p:sp>
@@ -4662,8 +4675,8 @@
             </p:nvSpPr>
             <p:spPr>
               <a:xfrm>
-                <a:off x="5360657" y="6552982"/>
-                <a:ext cx="1794722" cy="646331"/>
+                <a:off x="2440486" y="5245991"/>
+                <a:ext cx="1290161" cy="486287"/>
               </a:xfrm>
               <a:prstGeom prst="rect">
                 <a:avLst/>
@@ -4671,7 +4684,7 @@
               <a:blipFill>
                 <a:blip r:embed="rId5"/>
                 <a:stretch>
-                  <a:fillRect l="-2712" b="-14151"/>
+                  <a:fillRect l="-472" b="-11392"/>
                 </a:stretch>
               </a:blipFill>
             </p:spPr>
@@ -4690,10 +4703,1555 @@
           </p:sp>
         </mc:Fallback>
       </mc:AlternateContent>
+      <p:sp>
+        <p:nvSpPr>
+          <p:cNvPr id="37" name="Accolade ouvrante 36"/>
+          <p:cNvSpPr/>
+          <p:nvPr/>
+        </p:nvSpPr>
+        <p:spPr>
+          <a:xfrm flipH="1">
+            <a:off x="4576022" y="3604261"/>
+            <a:ext cx="193957" cy="566644"/>
+          </a:xfrm>
+          <a:prstGeom prst="leftBrace">
+            <a:avLst/>
+          </a:prstGeom>
+          <a:ln>
+            <a:solidFill>
+              <a:schemeClr val="tx1"/>
+            </a:solidFill>
+          </a:ln>
+        </p:spPr>
+        <p:style>
+          <a:lnRef idx="1">
+            <a:schemeClr val="accent1"/>
+          </a:lnRef>
+          <a:fillRef idx="0">
+            <a:schemeClr val="accent1"/>
+          </a:fillRef>
+          <a:effectRef idx="0">
+            <a:schemeClr val="accent1"/>
+          </a:effectRef>
+          <a:fontRef idx="minor">
+            <a:schemeClr val="tx1"/>
+          </a:fontRef>
+        </p:style>
+        <p:txBody>
+          <a:bodyPr rtlCol="0" anchor="ctr"/>
+          <a:lstStyle/>
+          <a:p>
+            <a:pPr algn="ctr"/>
+            <a:endParaRPr lang="fr-FR" sz="1206"/>
+          </a:p>
+        </p:txBody>
+      </p:sp>
+      <p:sp>
+        <p:nvSpPr>
+          <p:cNvPr id="38" name="Rectangle 37"/>
+          <p:cNvSpPr/>
+          <p:nvPr/>
+        </p:nvSpPr>
+        <p:spPr>
+          <a:xfrm>
+            <a:off x="4873399" y="4339875"/>
+            <a:ext cx="1078595" cy="669615"/>
+          </a:xfrm>
+          <a:prstGeom prst="rect">
+            <a:avLst/>
+          </a:prstGeom>
+          <a:ln>
+            <a:solidFill>
+              <a:schemeClr val="tx1"/>
+            </a:solidFill>
+          </a:ln>
+        </p:spPr>
+        <p:style>
+          <a:lnRef idx="2">
+            <a:schemeClr val="accent1">
+              <a:shade val="50000"/>
+            </a:schemeClr>
+          </a:lnRef>
+          <a:fillRef idx="1">
+            <a:schemeClr val="accent1"/>
+          </a:fillRef>
+          <a:effectRef idx="0">
+            <a:schemeClr val="accent1"/>
+          </a:effectRef>
+          <a:fontRef idx="minor">
+            <a:schemeClr val="lt1"/>
+          </a:fontRef>
+        </p:style>
+        <p:txBody>
+          <a:bodyPr rot="0" spcFirstLastPara="0" vertOverflow="overflow" horzOverflow="overflow" vert="horz" wrap="square" lIns="73152" tIns="36576" rIns="73152" bIns="36576" numCol="1" spcCol="0" rtlCol="0" fromWordArt="0" anchor="ctr" anchorCtr="0" forceAA="0" compatLnSpc="1">
+            <a:prstTxWarp prst="textNoShape">
+              <a:avLst/>
+            </a:prstTxWarp>
+            <a:noAutofit/>
+          </a:bodyPr>
+          <a:lstStyle/>
+          <a:p>
+            <a:pPr algn="ctr"/>
+            <a:r>
+              <a:rPr lang="fr-FR" sz="1280" dirty="0"/>
+              <a:t>Population de référence</a:t>
+            </a:r>
+            <a:endParaRPr lang="fr-FR" sz="1280" dirty="0"/>
+          </a:p>
+        </p:txBody>
+      </p:sp>
+      <p:cxnSp>
+        <p:nvCxnSpPr>
+          <p:cNvPr id="43" name="Connecteur en angle 42"/>
+          <p:cNvCxnSpPr>
+            <a:stCxn id="37" idx="1"/>
+            <a:endCxn id="38" idx="0"/>
+          </p:cNvCxnSpPr>
+          <p:nvPr/>
+        </p:nvCxnSpPr>
+        <p:spPr>
+          <a:xfrm>
+            <a:off x="4769979" y="3887583"/>
+            <a:ext cx="642718" cy="452292"/>
+          </a:xfrm>
+          <a:prstGeom prst="bentConnector2">
+            <a:avLst/>
+          </a:prstGeom>
+          <a:ln w="28575">
+            <a:solidFill>
+              <a:schemeClr val="tx1"/>
+            </a:solidFill>
+            <a:tailEnd type="triangle"/>
+          </a:ln>
+        </p:spPr>
+        <p:style>
+          <a:lnRef idx="1">
+            <a:schemeClr val="accent1"/>
+          </a:lnRef>
+          <a:fillRef idx="0">
+            <a:schemeClr val="accent1"/>
+          </a:fillRef>
+          <a:effectRef idx="0">
+            <a:schemeClr val="accent1"/>
+          </a:effectRef>
+          <a:fontRef idx="minor">
+            <a:schemeClr val="tx1"/>
+          </a:fontRef>
+        </p:style>
+      </p:cxnSp>
+      <p:sp>
+        <p:nvSpPr>
+          <p:cNvPr id="47" name="ZoneTexte 46"/>
+          <p:cNvSpPr txBox="1"/>
+          <p:nvPr/>
+        </p:nvSpPr>
+        <p:spPr>
+          <a:xfrm>
+            <a:off x="5412697" y="3752914"/>
+            <a:ext cx="1499119" cy="609398"/>
+          </a:xfrm>
+          <a:prstGeom prst="rect">
+            <a:avLst/>
+          </a:prstGeom>
+          <a:noFill/>
+        </p:spPr>
+        <p:txBody>
+          <a:bodyPr wrap="square" rtlCol="0">
+            <a:spAutoFit/>
+          </a:bodyPr>
+          <a:lstStyle/>
+          <a:p>
+            <a:r>
+              <a:rPr lang="fr-FR" sz="1120" dirty="0" err="1"/>
+              <a:t>nsel</a:t>
+            </a:r>
+            <a:r>
+              <a:rPr lang="fr-FR" sz="1120" dirty="0"/>
+              <a:t> grains </a:t>
+            </a:r>
+            <a:r>
+              <a:rPr lang="fr-FR" sz="1120" dirty="0"/>
+              <a:t>échantillonnés au hasard</a:t>
+            </a:r>
+            <a:endParaRPr lang="fr-FR" sz="1120" dirty="0"/>
+          </a:p>
+        </p:txBody>
+      </p:sp>
     </p:spTree>
     <p:extLst>
       <p:ext uri="{BB962C8B-B14F-4D97-AF65-F5344CB8AC3E}">
         <p14:creationId xmlns:p14="http://schemas.microsoft.com/office/powerpoint/2010/main" val="3495991990"/>
+      </p:ext>
+    </p:extLst>
+  </p:cSld>
+  <p:clrMapOvr>
+    <a:masterClrMapping/>
+  </p:clrMapOvr>
+</p:sld>
+</file>
+
+<file path=ppt/slides/slide2.xml><?xml version="1.0" encoding="utf-8"?>
+<p:sld xmlns:a="http://schemas.openxmlformats.org/drawingml/2006/main" xmlns:r="http://schemas.openxmlformats.org/officeDocument/2006/relationships" xmlns:p="http://schemas.openxmlformats.org/presentationml/2006/main">
+  <p:cSld>
+    <p:spTree>
+      <p:nvGrpSpPr>
+        <p:cNvPr id="1" name=""/>
+        <p:cNvGrpSpPr/>
+        <p:nvPr/>
+      </p:nvGrpSpPr>
+      <p:grpSpPr>
+        <a:xfrm>
+          <a:off x="0" y="0"/>
+          <a:ext cx="0" cy="0"/>
+          <a:chOff x="0" y="0"/>
+          <a:chExt cx="0" cy="0"/>
+        </a:xfrm>
+      </p:grpSpPr>
+      <p:pic>
+        <p:nvPicPr>
+          <p:cNvPr id="103" name="Image 102"/>
+          <p:cNvPicPr>
+            <a:picLocks noChangeAspect="1"/>
+          </p:cNvPicPr>
+          <p:nvPr/>
+        </p:nvPicPr>
+        <p:blipFill>
+          <a:blip r:embed="rId2" cstate="print">
+            <a:extLst>
+              <a:ext uri="{28A0092B-C50C-407E-A947-70E740481C1C}">
+                <a14:useLocalDpi xmlns:a14="http://schemas.microsoft.com/office/drawing/2010/main" val="0"/>
+              </a:ext>
+            </a:extLst>
+          </a:blip>
+          <a:stretch>
+            <a:fillRect/>
+          </a:stretch>
+        </p:blipFill>
+        <p:spPr>
+          <a:xfrm>
+            <a:off x="1245655" y="542536"/>
+            <a:ext cx="501301" cy="375976"/>
+          </a:xfrm>
+          <a:prstGeom prst="rect">
+            <a:avLst/>
+          </a:prstGeom>
+        </p:spPr>
+      </p:pic>
+      <p:pic>
+        <p:nvPicPr>
+          <p:cNvPr id="104" name="Image 103"/>
+          <p:cNvPicPr>
+            <a:picLocks noChangeAspect="1"/>
+          </p:cNvPicPr>
+          <p:nvPr/>
+        </p:nvPicPr>
+        <p:blipFill>
+          <a:blip r:embed="rId2" cstate="print">
+            <a:extLst>
+              <a:ext uri="{28A0092B-C50C-407E-A947-70E740481C1C}">
+                <a14:useLocalDpi xmlns:a14="http://schemas.microsoft.com/office/drawing/2010/main" val="0"/>
+              </a:ext>
+            </a:extLst>
+          </a:blip>
+          <a:stretch>
+            <a:fillRect/>
+          </a:stretch>
+        </p:blipFill>
+        <p:spPr>
+          <a:xfrm>
+            <a:off x="1245655" y="918512"/>
+            <a:ext cx="501301" cy="375976"/>
+          </a:xfrm>
+          <a:prstGeom prst="rect">
+            <a:avLst/>
+          </a:prstGeom>
+        </p:spPr>
+      </p:pic>
+      <p:pic>
+        <p:nvPicPr>
+          <p:cNvPr id="105" name="Image 104"/>
+          <p:cNvPicPr>
+            <a:picLocks noChangeAspect="1"/>
+          </p:cNvPicPr>
+          <p:nvPr/>
+        </p:nvPicPr>
+        <p:blipFill>
+          <a:blip r:embed="rId2" cstate="print">
+            <a:extLst>
+              <a:ext uri="{28A0092B-C50C-407E-A947-70E740481C1C}">
+                <a14:useLocalDpi xmlns:a14="http://schemas.microsoft.com/office/drawing/2010/main" val="0"/>
+              </a:ext>
+            </a:extLst>
+          </a:blip>
+          <a:stretch>
+            <a:fillRect/>
+          </a:stretch>
+        </p:blipFill>
+        <p:spPr>
+          <a:xfrm>
+            <a:off x="1231025" y="1482476"/>
+            <a:ext cx="501301" cy="375976"/>
+          </a:xfrm>
+          <a:prstGeom prst="rect">
+            <a:avLst/>
+          </a:prstGeom>
+        </p:spPr>
+      </p:pic>
+      <p:sp>
+        <p:nvSpPr>
+          <p:cNvPr id="106" name="ZoneTexte 105"/>
+          <p:cNvSpPr txBox="1"/>
+          <p:nvPr/>
+        </p:nvSpPr>
+        <p:spPr>
+          <a:xfrm rot="16200000">
+            <a:off x="1283559" y="1249535"/>
+            <a:ext cx="336499" cy="277897"/>
+          </a:xfrm>
+          <a:prstGeom prst="rect">
+            <a:avLst/>
+          </a:prstGeom>
+          <a:noFill/>
+        </p:spPr>
+        <p:txBody>
+          <a:bodyPr wrap="square" rtlCol="0">
+            <a:spAutoFit/>
+          </a:bodyPr>
+          <a:lstStyle/>
+          <a:p>
+            <a:pPr algn="ctr"/>
+            <a:r>
+              <a:rPr lang="fr-FR" sz="1206" b="1" dirty="0"/>
+              <a:t>…</a:t>
+            </a:r>
+          </a:p>
+        </p:txBody>
+      </p:sp>
+      <p:sp>
+        <p:nvSpPr>
+          <p:cNvPr id="107" name="Accolade fermante 106"/>
+          <p:cNvSpPr/>
+          <p:nvPr/>
+        </p:nvSpPr>
+        <p:spPr>
+          <a:xfrm>
+            <a:off x="1823669" y="580630"/>
+            <a:ext cx="102413" cy="1185062"/>
+          </a:xfrm>
+          <a:prstGeom prst="rightBrace">
+            <a:avLst/>
+          </a:prstGeom>
+          <a:ln>
+            <a:solidFill>
+              <a:schemeClr val="tx1"/>
+            </a:solidFill>
+          </a:ln>
+        </p:spPr>
+        <p:style>
+          <a:lnRef idx="1">
+            <a:schemeClr val="accent1"/>
+          </a:lnRef>
+          <a:fillRef idx="0">
+            <a:schemeClr val="accent1"/>
+          </a:fillRef>
+          <a:effectRef idx="0">
+            <a:schemeClr val="accent1"/>
+          </a:effectRef>
+          <a:fontRef idx="minor">
+            <a:schemeClr val="tx1"/>
+          </a:fontRef>
+        </p:style>
+        <p:txBody>
+          <a:bodyPr rtlCol="0" anchor="ctr"/>
+          <a:lstStyle/>
+          <a:p>
+            <a:pPr algn="ctr"/>
+            <a:endParaRPr lang="fr-FR" sz="1206"/>
+          </a:p>
+        </p:txBody>
+      </p:sp>
+      <p:sp>
+        <p:nvSpPr>
+          <p:cNvPr id="108" name="ZoneTexte 107"/>
+          <p:cNvSpPr txBox="1"/>
+          <p:nvPr/>
+        </p:nvSpPr>
+        <p:spPr>
+          <a:xfrm>
+            <a:off x="927444" y="590640"/>
+            <a:ext cx="431597" cy="289310"/>
+          </a:xfrm>
+          <a:prstGeom prst="rect">
+            <a:avLst/>
+          </a:prstGeom>
+          <a:noFill/>
+        </p:spPr>
+        <p:txBody>
+          <a:bodyPr wrap="square" rtlCol="0">
+            <a:spAutoFit/>
+          </a:bodyPr>
+          <a:lstStyle/>
+          <a:p>
+            <a:r>
+              <a:rPr lang="fr-FR" sz="1280" b="1" dirty="0"/>
+              <a:t>G1</a:t>
+            </a:r>
+          </a:p>
+        </p:txBody>
+      </p:sp>
+      <p:sp>
+        <p:nvSpPr>
+          <p:cNvPr id="109" name="ZoneTexte 108"/>
+          <p:cNvSpPr txBox="1"/>
+          <p:nvPr/>
+        </p:nvSpPr>
+        <p:spPr>
+          <a:xfrm>
+            <a:off x="927339" y="966616"/>
+            <a:ext cx="431597" cy="289310"/>
+          </a:xfrm>
+          <a:prstGeom prst="rect">
+            <a:avLst/>
+          </a:prstGeom>
+          <a:noFill/>
+        </p:spPr>
+        <p:txBody>
+          <a:bodyPr wrap="square" rtlCol="0">
+            <a:spAutoFit/>
+          </a:bodyPr>
+          <a:lstStyle/>
+          <a:p>
+            <a:r>
+              <a:rPr lang="fr-FR" sz="1280" b="1" dirty="0"/>
+              <a:t>G2</a:t>
+            </a:r>
+          </a:p>
+        </p:txBody>
+      </p:sp>
+      <p:sp>
+        <p:nvSpPr>
+          <p:cNvPr id="110" name="ZoneTexte 109"/>
+          <p:cNvSpPr txBox="1"/>
+          <p:nvPr/>
+        </p:nvSpPr>
+        <p:spPr>
+          <a:xfrm>
+            <a:off x="817927" y="1556733"/>
+            <a:ext cx="581834" cy="264688"/>
+          </a:xfrm>
+          <a:prstGeom prst="rect">
+            <a:avLst/>
+          </a:prstGeom>
+          <a:noFill/>
+        </p:spPr>
+        <p:txBody>
+          <a:bodyPr wrap="square" rtlCol="0">
+            <a:spAutoFit/>
+          </a:bodyPr>
+          <a:lstStyle/>
+          <a:p>
+            <a:r>
+              <a:rPr lang="fr-FR" sz="1120" b="1" dirty="0"/>
+              <a:t>G180</a:t>
+            </a:r>
+            <a:endParaRPr lang="fr-FR" sz="1120" b="1" dirty="0"/>
+          </a:p>
+        </p:txBody>
+      </p:sp>
+      <p:sp>
+        <p:nvSpPr>
+          <p:cNvPr id="111" name="Rectangle 110"/>
+          <p:cNvSpPr/>
+          <p:nvPr/>
+        </p:nvSpPr>
+        <p:spPr>
+          <a:xfrm>
+            <a:off x="2150210" y="436779"/>
+            <a:ext cx="1062686" cy="1472764"/>
+          </a:xfrm>
+          <a:prstGeom prst="rect">
+            <a:avLst/>
+          </a:prstGeom>
+          <a:solidFill>
+            <a:schemeClr val="accent6">
+              <a:lumMod val="40000"/>
+              <a:lumOff val="60000"/>
+            </a:schemeClr>
+          </a:solidFill>
+          <a:ln>
+            <a:noFill/>
+          </a:ln>
+        </p:spPr>
+        <p:style>
+          <a:lnRef idx="2">
+            <a:schemeClr val="accent1">
+              <a:shade val="50000"/>
+            </a:schemeClr>
+          </a:lnRef>
+          <a:fillRef idx="1">
+            <a:schemeClr val="accent1"/>
+          </a:fillRef>
+          <a:effectRef idx="0">
+            <a:schemeClr val="accent1"/>
+          </a:effectRef>
+          <a:fontRef idx="minor">
+            <a:schemeClr val="lt1"/>
+          </a:fontRef>
+        </p:style>
+        <p:txBody>
+          <a:bodyPr rot="0" spcFirstLastPara="0" vertOverflow="overflow" horzOverflow="overflow" vert="horz" wrap="square" lIns="73152" tIns="36576" rIns="73152" bIns="36576" numCol="1" spcCol="0" rtlCol="0" fromWordArt="0" anchor="ctr" anchorCtr="0" forceAA="0" compatLnSpc="1">
+            <a:prstTxWarp prst="textNoShape">
+              <a:avLst/>
+            </a:prstTxWarp>
+            <a:noAutofit/>
+          </a:bodyPr>
+          <a:lstStyle/>
+          <a:p>
+            <a:pPr algn="ctr"/>
+            <a:r>
+              <a:rPr lang="fr-FR" sz="1280" dirty="0">
+                <a:solidFill>
+                  <a:schemeClr val="tx1"/>
+                </a:solidFill>
+              </a:rPr>
+              <a:t>Moyenne de la taille des grains par </a:t>
+            </a:r>
+            <a:r>
+              <a:rPr lang="fr-FR" sz="1280" dirty="0">
+                <a:solidFill>
+                  <a:schemeClr val="tx1"/>
+                </a:solidFill>
+              </a:rPr>
+              <a:t>lot</a:t>
+            </a:r>
+            <a:endParaRPr lang="fr-FR" sz="1280" dirty="0">
+              <a:solidFill>
+                <a:schemeClr val="tx1"/>
+              </a:solidFill>
+            </a:endParaRPr>
+          </a:p>
+        </p:txBody>
+      </p:sp>
+      <p:cxnSp>
+        <p:nvCxnSpPr>
+          <p:cNvPr id="112" name="Connecteur droit avec flèche 111"/>
+          <p:cNvCxnSpPr>
+            <a:stCxn id="107" idx="1"/>
+            <a:endCxn id="111" idx="1"/>
+          </p:cNvCxnSpPr>
+          <p:nvPr/>
+        </p:nvCxnSpPr>
+        <p:spPr>
+          <a:xfrm>
+            <a:off x="1926082" y="1173161"/>
+            <a:ext cx="224128" cy="0"/>
+          </a:xfrm>
+          <a:prstGeom prst="straightConnector1">
+            <a:avLst/>
+          </a:prstGeom>
+          <a:ln w="28575">
+            <a:solidFill>
+              <a:schemeClr val="tx1"/>
+            </a:solidFill>
+            <a:tailEnd type="triangle"/>
+          </a:ln>
+        </p:spPr>
+        <p:style>
+          <a:lnRef idx="1">
+            <a:schemeClr val="accent1"/>
+          </a:lnRef>
+          <a:fillRef idx="0">
+            <a:schemeClr val="accent1"/>
+          </a:fillRef>
+          <a:effectRef idx="0">
+            <a:schemeClr val="accent1"/>
+          </a:effectRef>
+          <a:fontRef idx="minor">
+            <a:schemeClr val="tx1"/>
+          </a:fontRef>
+        </p:style>
+      </p:cxnSp>
+      <p:cxnSp>
+        <p:nvCxnSpPr>
+          <p:cNvPr id="113" name="Connecteur droit avec flèche 112"/>
+          <p:cNvCxnSpPr>
+            <a:stCxn id="111" idx="3"/>
+            <a:endCxn id="115" idx="1"/>
+          </p:cNvCxnSpPr>
+          <p:nvPr/>
+        </p:nvCxnSpPr>
+        <p:spPr>
+          <a:xfrm flipV="1">
+            <a:off x="3212896" y="1173161"/>
+            <a:ext cx="1044226" cy="1"/>
+          </a:xfrm>
+          <a:prstGeom prst="straightConnector1">
+            <a:avLst/>
+          </a:prstGeom>
+          <a:ln w="28575">
+            <a:solidFill>
+              <a:schemeClr val="tx1"/>
+            </a:solidFill>
+            <a:tailEnd type="triangle"/>
+          </a:ln>
+        </p:spPr>
+        <p:style>
+          <a:lnRef idx="1">
+            <a:schemeClr val="accent1"/>
+          </a:lnRef>
+          <a:fillRef idx="0">
+            <a:schemeClr val="accent1"/>
+          </a:fillRef>
+          <a:effectRef idx="0">
+            <a:schemeClr val="accent1"/>
+          </a:effectRef>
+          <a:fontRef idx="minor">
+            <a:schemeClr val="tx1"/>
+          </a:fontRef>
+        </p:style>
+      </p:cxnSp>
+      <p:sp>
+        <p:nvSpPr>
+          <p:cNvPr id="114" name="ZoneTexte 113"/>
+          <p:cNvSpPr txBox="1"/>
+          <p:nvPr/>
+        </p:nvSpPr>
+        <p:spPr>
+          <a:xfrm>
+            <a:off x="3163514" y="590315"/>
+            <a:ext cx="1112068" cy="609398"/>
+          </a:xfrm>
+          <a:prstGeom prst="rect">
+            <a:avLst/>
+          </a:prstGeom>
+          <a:noFill/>
+        </p:spPr>
+        <p:txBody>
+          <a:bodyPr wrap="square" rtlCol="0">
+            <a:spAutoFit/>
+          </a:bodyPr>
+          <a:lstStyle/>
+          <a:p>
+            <a:pPr algn="ctr"/>
+            <a:r>
+              <a:rPr lang="fr-FR" sz="1120" dirty="0"/>
+              <a:t>Echantillonnage </a:t>
+            </a:r>
+            <a:r>
+              <a:rPr lang="fr-FR" sz="1120" b="1" dirty="0"/>
+              <a:t>aléatoire</a:t>
+            </a:r>
+            <a:r>
+              <a:rPr lang="fr-FR" sz="1120" dirty="0"/>
+              <a:t> de NEO </a:t>
+            </a:r>
+            <a:r>
+              <a:rPr lang="fr-FR" sz="1120" dirty="0"/>
+              <a:t>lots</a:t>
+            </a:r>
+            <a:endParaRPr lang="fr-FR" sz="1120" dirty="0"/>
+          </a:p>
+        </p:txBody>
+      </p:sp>
+      <p:sp>
+        <p:nvSpPr>
+          <p:cNvPr id="115" name="Rectangle 114"/>
+          <p:cNvSpPr/>
+          <p:nvPr/>
+        </p:nvSpPr>
+        <p:spPr>
+          <a:xfrm>
+            <a:off x="4257122" y="645993"/>
+            <a:ext cx="1062686" cy="1054334"/>
+          </a:xfrm>
+          <a:prstGeom prst="rect">
+            <a:avLst/>
+          </a:prstGeom>
+          <a:solidFill>
+            <a:schemeClr val="accent6">
+              <a:lumMod val="40000"/>
+              <a:lumOff val="60000"/>
+            </a:schemeClr>
+          </a:solidFill>
+          <a:ln>
+            <a:noFill/>
+          </a:ln>
+        </p:spPr>
+        <p:style>
+          <a:lnRef idx="2">
+            <a:schemeClr val="accent1">
+              <a:shade val="50000"/>
+            </a:schemeClr>
+          </a:lnRef>
+          <a:fillRef idx="1">
+            <a:schemeClr val="accent1"/>
+          </a:fillRef>
+          <a:effectRef idx="0">
+            <a:schemeClr val="accent1"/>
+          </a:effectRef>
+          <a:fontRef idx="minor">
+            <a:schemeClr val="lt1"/>
+          </a:fontRef>
+        </p:style>
+        <p:txBody>
+          <a:bodyPr rot="0" spcFirstLastPara="0" vertOverflow="overflow" horzOverflow="overflow" vert="horz" wrap="square" lIns="73152" tIns="36576" rIns="73152" bIns="36576" numCol="1" spcCol="0" rtlCol="0" fromWordArt="0" anchor="ctr" anchorCtr="0" forceAA="0" compatLnSpc="1">
+            <a:prstTxWarp prst="textNoShape">
+              <a:avLst/>
+            </a:prstTxWarp>
+            <a:noAutofit/>
+          </a:bodyPr>
+          <a:lstStyle/>
+          <a:p>
+            <a:pPr algn="ctr"/>
+            <a:r>
+              <a:rPr lang="fr-FR" sz="1280" dirty="0">
+                <a:solidFill>
+                  <a:schemeClr val="tx1"/>
+                </a:solidFill>
+              </a:rPr>
+              <a:t>L</a:t>
+            </a:r>
+            <a:r>
+              <a:rPr lang="fr-FR" sz="1280" dirty="0">
+                <a:solidFill>
+                  <a:schemeClr val="tx1"/>
+                </a:solidFill>
+              </a:rPr>
+              <a:t>ots </a:t>
+            </a:r>
+            <a:r>
+              <a:rPr lang="fr-FR" sz="1280" dirty="0">
+                <a:solidFill>
+                  <a:schemeClr val="tx1"/>
+                </a:solidFill>
+              </a:rPr>
+              <a:t>observés</a:t>
+            </a:r>
+          </a:p>
+        </p:txBody>
+      </p:sp>
+      <p:sp>
+        <p:nvSpPr>
+          <p:cNvPr id="116" name="Rectangle 115"/>
+          <p:cNvSpPr/>
+          <p:nvPr/>
+        </p:nvSpPr>
+        <p:spPr>
+          <a:xfrm>
+            <a:off x="5082363" y="2279544"/>
+            <a:ext cx="1062686" cy="536126"/>
+          </a:xfrm>
+          <a:prstGeom prst="rect">
+            <a:avLst/>
+          </a:prstGeom>
+          <a:noFill/>
+          <a:ln>
+            <a:noFill/>
+          </a:ln>
+        </p:spPr>
+        <p:style>
+          <a:lnRef idx="2">
+            <a:schemeClr val="accent1">
+              <a:shade val="50000"/>
+            </a:schemeClr>
+          </a:lnRef>
+          <a:fillRef idx="1">
+            <a:schemeClr val="accent1"/>
+          </a:fillRef>
+          <a:effectRef idx="0">
+            <a:schemeClr val="accent1"/>
+          </a:effectRef>
+          <a:fontRef idx="minor">
+            <a:schemeClr val="lt1"/>
+          </a:fontRef>
+        </p:style>
+        <p:txBody>
+          <a:bodyPr rot="0" spcFirstLastPara="0" vertOverflow="overflow" horzOverflow="overflow" vert="horz" wrap="square" lIns="73152" tIns="36576" rIns="73152" bIns="36576" numCol="1" spcCol="0" rtlCol="0" fromWordArt="0" anchor="ctr" anchorCtr="0" forceAA="0" compatLnSpc="1">
+            <a:prstTxWarp prst="textNoShape">
+              <a:avLst/>
+            </a:prstTxWarp>
+            <a:noAutofit/>
+          </a:bodyPr>
+          <a:lstStyle/>
+          <a:p>
+            <a:pPr algn="ctr"/>
+            <a:r>
+              <a:rPr lang="fr-FR" sz="1120" dirty="0" err="1">
+                <a:solidFill>
+                  <a:schemeClr val="tx1"/>
+                </a:solidFill>
+              </a:rPr>
+              <a:t>nsel</a:t>
+            </a:r>
+            <a:r>
+              <a:rPr lang="fr-FR" sz="1120" dirty="0">
+                <a:solidFill>
+                  <a:schemeClr val="tx1"/>
+                </a:solidFill>
+              </a:rPr>
+              <a:t> grains issus des lots sélectionnés</a:t>
+            </a:r>
+            <a:endParaRPr lang="fr-FR" sz="1120" dirty="0">
+              <a:solidFill>
+                <a:schemeClr val="tx1"/>
+              </a:solidFill>
+            </a:endParaRPr>
+          </a:p>
+        </p:txBody>
+      </p:sp>
+      <p:cxnSp>
+        <p:nvCxnSpPr>
+          <p:cNvPr id="117" name="Connecteur en angle 116"/>
+          <p:cNvCxnSpPr>
+            <a:stCxn id="122" idx="1"/>
+            <a:endCxn id="116" idx="0"/>
+          </p:cNvCxnSpPr>
+          <p:nvPr/>
+        </p:nvCxnSpPr>
+        <p:spPr>
+          <a:xfrm>
+            <a:off x="5505590" y="966617"/>
+            <a:ext cx="108117" cy="1312927"/>
+          </a:xfrm>
+          <a:prstGeom prst="bentConnector2">
+            <a:avLst/>
+          </a:prstGeom>
+          <a:ln w="28575">
+            <a:solidFill>
+              <a:schemeClr val="tx1"/>
+            </a:solidFill>
+            <a:tailEnd type="triangle"/>
+          </a:ln>
+        </p:spPr>
+        <p:style>
+          <a:lnRef idx="1">
+            <a:schemeClr val="accent1"/>
+          </a:lnRef>
+          <a:fillRef idx="0">
+            <a:schemeClr val="accent1"/>
+          </a:fillRef>
+          <a:effectRef idx="0">
+            <a:schemeClr val="accent1"/>
+          </a:effectRef>
+          <a:fontRef idx="minor">
+            <a:schemeClr val="tx1"/>
+          </a:fontRef>
+        </p:style>
+      </p:cxnSp>
+      <p:sp>
+        <p:nvSpPr>
+          <p:cNvPr id="118" name="ZoneTexte 117"/>
+          <p:cNvSpPr txBox="1"/>
+          <p:nvPr/>
+        </p:nvSpPr>
+        <p:spPr>
+          <a:xfrm>
+            <a:off x="5621661" y="1038850"/>
+            <a:ext cx="949058" cy="781752"/>
+          </a:xfrm>
+          <a:prstGeom prst="rect">
+            <a:avLst/>
+          </a:prstGeom>
+          <a:noFill/>
+        </p:spPr>
+        <p:txBody>
+          <a:bodyPr wrap="square" rtlCol="0">
+            <a:spAutoFit/>
+          </a:bodyPr>
+          <a:lstStyle/>
+          <a:p>
+            <a:r>
+              <a:rPr lang="fr-FR" sz="1120" dirty="0" err="1"/>
+              <a:t>nsel</a:t>
+            </a:r>
+            <a:r>
+              <a:rPr lang="fr-FR" sz="1120" dirty="0"/>
+              <a:t>/NGE </a:t>
+            </a:r>
+            <a:r>
+              <a:rPr lang="fr-FR" sz="1120" dirty="0"/>
+              <a:t>lots </a:t>
+            </a:r>
+            <a:r>
+              <a:rPr lang="fr-FR" sz="1120" dirty="0"/>
+              <a:t>avec les plus grandes moyennes</a:t>
+            </a:r>
+          </a:p>
+        </p:txBody>
+      </p:sp>
+      <p:sp>
+        <p:nvSpPr>
+          <p:cNvPr id="119" name="Rectangle 118"/>
+          <p:cNvSpPr/>
+          <p:nvPr/>
+        </p:nvSpPr>
+        <p:spPr>
+          <a:xfrm>
+            <a:off x="3430546" y="2474879"/>
+            <a:ext cx="1154466" cy="1426464"/>
+          </a:xfrm>
+          <a:prstGeom prst="rect">
+            <a:avLst/>
+          </a:prstGeom>
+          <a:solidFill>
+            <a:schemeClr val="accent1">
+              <a:lumMod val="60000"/>
+              <a:lumOff val="40000"/>
+            </a:schemeClr>
+          </a:solidFill>
+          <a:ln>
+            <a:noFill/>
+          </a:ln>
+        </p:spPr>
+        <p:style>
+          <a:lnRef idx="2">
+            <a:schemeClr val="accent1">
+              <a:shade val="50000"/>
+            </a:schemeClr>
+          </a:lnRef>
+          <a:fillRef idx="1">
+            <a:schemeClr val="accent1"/>
+          </a:fillRef>
+          <a:effectRef idx="0">
+            <a:schemeClr val="accent1"/>
+          </a:effectRef>
+          <a:fontRef idx="minor">
+            <a:schemeClr val="lt1"/>
+          </a:fontRef>
+        </p:style>
+        <p:txBody>
+          <a:bodyPr rot="0" spcFirstLastPara="0" vertOverflow="overflow" horzOverflow="overflow" vert="horz" wrap="square" lIns="73152" tIns="36576" rIns="73152" bIns="36576" numCol="1" spcCol="0" rtlCol="0" fromWordArt="0" anchor="ctr" anchorCtr="0" forceAA="0" compatLnSpc="1">
+            <a:prstTxWarp prst="textNoShape">
+              <a:avLst/>
+            </a:prstTxWarp>
+            <a:noAutofit/>
+          </a:bodyPr>
+          <a:lstStyle/>
+          <a:p>
+            <a:pPr algn="ctr"/>
+            <a:r>
+              <a:rPr lang="fr-FR" sz="1206" dirty="0">
+                <a:solidFill>
+                  <a:schemeClr val="tx1"/>
+                </a:solidFill>
+              </a:rPr>
+              <a:t>Données </a:t>
+            </a:r>
+            <a:r>
+              <a:rPr lang="fr-FR" sz="1206" dirty="0">
+                <a:solidFill>
+                  <a:schemeClr val="tx1"/>
+                </a:solidFill>
+              </a:rPr>
+              <a:t>brutes </a:t>
+            </a:r>
+            <a:endParaRPr lang="fr-FR" sz="1206" dirty="0">
+              <a:solidFill>
+                <a:schemeClr val="tx1"/>
+              </a:solidFill>
+            </a:endParaRPr>
+          </a:p>
+        </p:txBody>
+      </p:sp>
+      <p:sp>
+        <p:nvSpPr>
+          <p:cNvPr id="120" name="Rectangle 119"/>
+          <p:cNvSpPr/>
+          <p:nvPr/>
+        </p:nvSpPr>
+        <p:spPr>
+          <a:xfrm>
+            <a:off x="5082363" y="4777033"/>
+            <a:ext cx="1078595" cy="660806"/>
+          </a:xfrm>
+          <a:prstGeom prst="rect">
+            <a:avLst/>
+          </a:prstGeom>
+          <a:solidFill>
+            <a:schemeClr val="accent6"/>
+          </a:solidFill>
+          <a:ln>
+            <a:solidFill>
+              <a:schemeClr val="tx1"/>
+            </a:solidFill>
+          </a:ln>
+        </p:spPr>
+        <p:style>
+          <a:lnRef idx="2">
+            <a:schemeClr val="accent1">
+              <a:shade val="50000"/>
+            </a:schemeClr>
+          </a:lnRef>
+          <a:fillRef idx="1">
+            <a:schemeClr val="accent1"/>
+          </a:fillRef>
+          <a:effectRef idx="0">
+            <a:schemeClr val="accent1"/>
+          </a:effectRef>
+          <a:fontRef idx="minor">
+            <a:schemeClr val="lt1"/>
+          </a:fontRef>
+        </p:style>
+        <p:txBody>
+          <a:bodyPr rot="0" spcFirstLastPara="0" vertOverflow="overflow" horzOverflow="overflow" vert="horz" wrap="square" lIns="73152" tIns="36576" rIns="73152" bIns="36576" numCol="1" spcCol="0" rtlCol="0" fromWordArt="0" anchor="ctr" anchorCtr="0" forceAA="0" compatLnSpc="1">
+            <a:prstTxWarp prst="textNoShape">
+              <a:avLst/>
+            </a:prstTxWarp>
+            <a:noAutofit/>
+          </a:bodyPr>
+          <a:lstStyle/>
+          <a:p>
+            <a:pPr algn="ctr"/>
+            <a:r>
+              <a:rPr lang="fr-FR" sz="1280" dirty="0"/>
+              <a:t>Population sélectionnée sur épi</a:t>
+            </a:r>
+          </a:p>
+        </p:txBody>
+      </p:sp>
+      <p:sp>
+        <p:nvSpPr>
+          <p:cNvPr id="121" name="ZoneTexte 120"/>
+          <p:cNvSpPr txBox="1"/>
+          <p:nvPr/>
+        </p:nvSpPr>
+        <p:spPr>
+          <a:xfrm>
+            <a:off x="489004" y="1817668"/>
+            <a:ext cx="1728077" cy="437043"/>
+          </a:xfrm>
+          <a:prstGeom prst="rect">
+            <a:avLst/>
+          </a:prstGeom>
+          <a:noFill/>
+        </p:spPr>
+        <p:txBody>
+          <a:bodyPr wrap="square" rtlCol="0">
+            <a:spAutoFit/>
+          </a:bodyPr>
+          <a:lstStyle/>
+          <a:p>
+            <a:pPr algn="ctr"/>
+            <a:r>
+              <a:rPr lang="fr-FR" sz="1120" dirty="0"/>
+              <a:t>Chaque lot de 12 grain est considéré comme 1 </a:t>
+            </a:r>
+            <a:r>
+              <a:rPr lang="fr-FR" sz="1120" dirty="0"/>
+              <a:t>épi</a:t>
+            </a:r>
+            <a:endParaRPr lang="fr-FR" sz="1120" dirty="0"/>
+          </a:p>
+        </p:txBody>
+      </p:sp>
+      <p:sp>
+        <p:nvSpPr>
+          <p:cNvPr id="122" name="Accolade ouvrante 121"/>
+          <p:cNvSpPr/>
+          <p:nvPr/>
+        </p:nvSpPr>
+        <p:spPr>
+          <a:xfrm flipH="1">
+            <a:off x="5319807" y="659089"/>
+            <a:ext cx="185783" cy="615054"/>
+          </a:xfrm>
+          <a:prstGeom prst="leftBrace">
+            <a:avLst/>
+          </a:prstGeom>
+          <a:ln>
+            <a:solidFill>
+              <a:schemeClr val="tx1"/>
+            </a:solidFill>
+          </a:ln>
+        </p:spPr>
+        <p:style>
+          <a:lnRef idx="1">
+            <a:schemeClr val="accent1"/>
+          </a:lnRef>
+          <a:fillRef idx="0">
+            <a:schemeClr val="accent1"/>
+          </a:fillRef>
+          <a:effectRef idx="0">
+            <a:schemeClr val="accent1"/>
+          </a:effectRef>
+          <a:fontRef idx="minor">
+            <a:schemeClr val="tx1"/>
+          </a:fontRef>
+        </p:style>
+        <p:txBody>
+          <a:bodyPr rtlCol="0" anchor="ctr"/>
+          <a:lstStyle/>
+          <a:p>
+            <a:pPr algn="ctr"/>
+            <a:endParaRPr lang="fr-FR" sz="1206"/>
+          </a:p>
+        </p:txBody>
+      </p:sp>
+      <p:sp>
+        <p:nvSpPr>
+          <p:cNvPr id="123" name="Accolade ouvrante 122"/>
+          <p:cNvSpPr/>
+          <p:nvPr/>
+        </p:nvSpPr>
+        <p:spPr>
+          <a:xfrm flipH="1">
+            <a:off x="4562389" y="2487394"/>
+            <a:ext cx="185783" cy="640282"/>
+          </a:xfrm>
+          <a:prstGeom prst="leftBrace">
+            <a:avLst/>
+          </a:prstGeom>
+          <a:ln>
+            <a:solidFill>
+              <a:schemeClr val="tx1"/>
+            </a:solidFill>
+          </a:ln>
+        </p:spPr>
+        <p:style>
+          <a:lnRef idx="1">
+            <a:schemeClr val="accent1"/>
+          </a:lnRef>
+          <a:fillRef idx="0">
+            <a:schemeClr val="accent1"/>
+          </a:fillRef>
+          <a:effectRef idx="0">
+            <a:schemeClr val="accent1"/>
+          </a:effectRef>
+          <a:fontRef idx="minor">
+            <a:schemeClr val="tx1"/>
+          </a:fontRef>
+        </p:style>
+        <p:txBody>
+          <a:bodyPr rtlCol="0" anchor="ctr"/>
+          <a:lstStyle/>
+          <a:p>
+            <a:pPr algn="ctr"/>
+            <a:endParaRPr lang="fr-FR" sz="1206"/>
+          </a:p>
+        </p:txBody>
+      </p:sp>
+      <p:sp>
+        <p:nvSpPr>
+          <p:cNvPr id="126" name="ZoneTexte 125"/>
+          <p:cNvSpPr txBox="1"/>
+          <p:nvPr/>
+        </p:nvSpPr>
+        <p:spPr>
+          <a:xfrm>
+            <a:off x="986050" y="121479"/>
+            <a:ext cx="1033701" cy="437043"/>
+          </a:xfrm>
+          <a:prstGeom prst="rect">
+            <a:avLst/>
+          </a:prstGeom>
+          <a:noFill/>
+        </p:spPr>
+        <p:txBody>
+          <a:bodyPr wrap="square" rtlCol="0">
+            <a:spAutoFit/>
+          </a:bodyPr>
+          <a:lstStyle/>
+          <a:p>
+            <a:pPr algn="ctr"/>
+            <a:r>
+              <a:rPr lang="fr-FR" sz="1120" dirty="0"/>
+              <a:t>12 grains par génotype</a:t>
+            </a:r>
+            <a:endParaRPr lang="fr-FR" sz="1206" dirty="0"/>
+          </a:p>
+        </p:txBody>
+      </p:sp>
+      <p:sp>
+        <p:nvSpPr>
+          <p:cNvPr id="127" name="ZoneTexte 126"/>
+          <p:cNvSpPr txBox="1"/>
+          <p:nvPr/>
+        </p:nvSpPr>
+        <p:spPr>
+          <a:xfrm>
+            <a:off x="1145730" y="3310398"/>
+            <a:ext cx="1292784" cy="437043"/>
+          </a:xfrm>
+          <a:prstGeom prst="rect">
+            <a:avLst/>
+          </a:prstGeom>
+          <a:noFill/>
+        </p:spPr>
+        <p:txBody>
+          <a:bodyPr wrap="square" rtlCol="0">
+            <a:spAutoFit/>
+          </a:bodyPr>
+          <a:lstStyle/>
+          <a:p>
+            <a:r>
+              <a:rPr lang="fr-FR" sz="1120" dirty="0" err="1"/>
+              <a:t>nsel</a:t>
+            </a:r>
+            <a:r>
+              <a:rPr lang="fr-FR" sz="1120" dirty="0"/>
+              <a:t> grains plantés les plus gros</a:t>
+            </a:r>
+          </a:p>
+        </p:txBody>
+      </p:sp>
+      <p:sp>
+        <p:nvSpPr>
+          <p:cNvPr id="128" name="Rectangle 127"/>
+          <p:cNvSpPr/>
+          <p:nvPr/>
+        </p:nvSpPr>
+        <p:spPr>
+          <a:xfrm>
+            <a:off x="1794143" y="4777033"/>
+            <a:ext cx="1078595" cy="660806"/>
+          </a:xfrm>
+          <a:prstGeom prst="rect">
+            <a:avLst/>
+          </a:prstGeom>
+          <a:solidFill>
+            <a:schemeClr val="accent2"/>
+          </a:solidFill>
+          <a:ln>
+            <a:solidFill>
+              <a:schemeClr val="tx1"/>
+            </a:solidFill>
+          </a:ln>
+        </p:spPr>
+        <p:style>
+          <a:lnRef idx="2">
+            <a:schemeClr val="accent1">
+              <a:shade val="50000"/>
+            </a:schemeClr>
+          </a:lnRef>
+          <a:fillRef idx="1">
+            <a:schemeClr val="accent1"/>
+          </a:fillRef>
+          <a:effectRef idx="0">
+            <a:schemeClr val="accent1"/>
+          </a:effectRef>
+          <a:fontRef idx="minor">
+            <a:schemeClr val="lt1"/>
+          </a:fontRef>
+        </p:style>
+        <p:txBody>
+          <a:bodyPr rot="0" spcFirstLastPara="0" vertOverflow="overflow" horzOverflow="overflow" vert="horz" wrap="square" lIns="73152" tIns="36576" rIns="73152" bIns="36576" numCol="1" spcCol="0" rtlCol="0" fromWordArt="0" anchor="ctr" anchorCtr="0" forceAA="0" compatLnSpc="1">
+            <a:prstTxWarp prst="textNoShape">
+              <a:avLst/>
+            </a:prstTxWarp>
+            <a:noAutofit/>
+          </a:bodyPr>
+          <a:lstStyle/>
+          <a:p>
+            <a:pPr algn="ctr"/>
+            <a:r>
+              <a:rPr lang="fr-FR" sz="1280" dirty="0"/>
+              <a:t>Population sélectionnée sur grain</a:t>
+            </a:r>
+          </a:p>
+        </p:txBody>
+      </p:sp>
+      <p:cxnSp>
+        <p:nvCxnSpPr>
+          <p:cNvPr id="129" name="Connecteur en angle 128"/>
+          <p:cNvCxnSpPr>
+            <a:stCxn id="130" idx="1"/>
+            <a:endCxn id="128" idx="0"/>
+          </p:cNvCxnSpPr>
+          <p:nvPr/>
+        </p:nvCxnSpPr>
+        <p:spPr>
+          <a:xfrm rot="10800000" flipV="1">
+            <a:off x="2333441" y="2809995"/>
+            <a:ext cx="879455" cy="1967038"/>
+          </a:xfrm>
+          <a:prstGeom prst="bentConnector2">
+            <a:avLst/>
+          </a:prstGeom>
+          <a:ln w="28575">
+            <a:solidFill>
+              <a:schemeClr val="tx1"/>
+            </a:solidFill>
+            <a:tailEnd type="triangle"/>
+          </a:ln>
+        </p:spPr>
+        <p:style>
+          <a:lnRef idx="1">
+            <a:schemeClr val="accent1"/>
+          </a:lnRef>
+          <a:fillRef idx="0">
+            <a:schemeClr val="accent1"/>
+          </a:fillRef>
+          <a:effectRef idx="0">
+            <a:schemeClr val="accent1"/>
+          </a:effectRef>
+          <a:fontRef idx="minor">
+            <a:schemeClr val="tx1"/>
+          </a:fontRef>
+        </p:style>
+      </p:cxnSp>
+      <p:sp>
+        <p:nvSpPr>
+          <p:cNvPr id="130" name="Accolade ouvrante 129"/>
+          <p:cNvSpPr/>
+          <p:nvPr/>
+        </p:nvSpPr>
+        <p:spPr>
+          <a:xfrm>
+            <a:off x="3212895" y="2481059"/>
+            <a:ext cx="212086" cy="657872"/>
+          </a:xfrm>
+          <a:prstGeom prst="leftBrace">
+            <a:avLst/>
+          </a:prstGeom>
+          <a:ln>
+            <a:solidFill>
+              <a:schemeClr val="tx1"/>
+            </a:solidFill>
+          </a:ln>
+        </p:spPr>
+        <p:style>
+          <a:lnRef idx="1">
+            <a:schemeClr val="accent1"/>
+          </a:lnRef>
+          <a:fillRef idx="0">
+            <a:schemeClr val="accent1"/>
+          </a:fillRef>
+          <a:effectRef idx="0">
+            <a:schemeClr val="accent1"/>
+          </a:effectRef>
+          <a:fontRef idx="minor">
+            <a:schemeClr val="tx1"/>
+          </a:fontRef>
+        </p:style>
+        <p:txBody>
+          <a:bodyPr rtlCol="0" anchor="ctr"/>
+          <a:lstStyle/>
+          <a:p>
+            <a:pPr algn="ctr"/>
+            <a:endParaRPr lang="fr-FR" sz="1206"/>
+          </a:p>
+        </p:txBody>
+      </p:sp>
+      <p:sp>
+        <p:nvSpPr>
+          <p:cNvPr id="37" name="Accolade ouvrante 36"/>
+          <p:cNvSpPr/>
+          <p:nvPr/>
+        </p:nvSpPr>
+        <p:spPr>
+          <a:xfrm flipH="1">
+            <a:off x="4576022" y="3329941"/>
+            <a:ext cx="193957" cy="566644"/>
+          </a:xfrm>
+          <a:prstGeom prst="leftBrace">
+            <a:avLst/>
+          </a:prstGeom>
+          <a:ln>
+            <a:solidFill>
+              <a:schemeClr val="tx1"/>
+            </a:solidFill>
+          </a:ln>
+        </p:spPr>
+        <p:style>
+          <a:lnRef idx="1">
+            <a:schemeClr val="accent1"/>
+          </a:lnRef>
+          <a:fillRef idx="0">
+            <a:schemeClr val="accent1"/>
+          </a:fillRef>
+          <a:effectRef idx="0">
+            <a:schemeClr val="accent1"/>
+          </a:effectRef>
+          <a:fontRef idx="minor">
+            <a:schemeClr val="tx1"/>
+          </a:fontRef>
+        </p:style>
+        <p:txBody>
+          <a:bodyPr rtlCol="0" anchor="ctr"/>
+          <a:lstStyle/>
+          <a:p>
+            <a:pPr algn="ctr"/>
+            <a:endParaRPr lang="fr-FR" sz="1206"/>
+          </a:p>
+        </p:txBody>
+      </p:sp>
+      <p:sp>
+        <p:nvSpPr>
+          <p:cNvPr id="38" name="Rectangle 37"/>
+          <p:cNvSpPr/>
+          <p:nvPr/>
+        </p:nvSpPr>
+        <p:spPr>
+          <a:xfrm>
+            <a:off x="3497427" y="4768160"/>
+            <a:ext cx="1078595" cy="688803"/>
+          </a:xfrm>
+          <a:prstGeom prst="rect">
+            <a:avLst/>
+          </a:prstGeom>
+          <a:ln>
+            <a:solidFill>
+              <a:schemeClr val="tx1"/>
+            </a:solidFill>
+          </a:ln>
+        </p:spPr>
+        <p:style>
+          <a:lnRef idx="2">
+            <a:schemeClr val="accent1">
+              <a:shade val="50000"/>
+            </a:schemeClr>
+          </a:lnRef>
+          <a:fillRef idx="1">
+            <a:schemeClr val="accent1"/>
+          </a:fillRef>
+          <a:effectRef idx="0">
+            <a:schemeClr val="accent1"/>
+          </a:effectRef>
+          <a:fontRef idx="minor">
+            <a:schemeClr val="lt1"/>
+          </a:fontRef>
+        </p:style>
+        <p:txBody>
+          <a:bodyPr rot="0" spcFirstLastPara="0" vertOverflow="overflow" horzOverflow="overflow" vert="horz" wrap="square" lIns="73152" tIns="36576" rIns="73152" bIns="36576" numCol="1" spcCol="0" rtlCol="0" fromWordArt="0" anchor="ctr" anchorCtr="0" forceAA="0" compatLnSpc="1">
+            <a:prstTxWarp prst="textNoShape">
+              <a:avLst/>
+            </a:prstTxWarp>
+            <a:noAutofit/>
+          </a:bodyPr>
+          <a:lstStyle/>
+          <a:p>
+            <a:pPr algn="ctr"/>
+            <a:r>
+              <a:rPr lang="fr-FR" sz="1280" dirty="0"/>
+              <a:t>Population de référence</a:t>
+            </a:r>
+            <a:endParaRPr lang="fr-FR" sz="1280" dirty="0"/>
+          </a:p>
+        </p:txBody>
+      </p:sp>
+      <p:cxnSp>
+        <p:nvCxnSpPr>
+          <p:cNvPr id="43" name="Connecteur en angle 42"/>
+          <p:cNvCxnSpPr>
+            <a:stCxn id="37" idx="1"/>
+            <a:endCxn id="38" idx="0"/>
+          </p:cNvCxnSpPr>
+          <p:nvPr/>
+        </p:nvCxnSpPr>
+        <p:spPr>
+          <a:xfrm flipH="1">
+            <a:off x="4036724" y="3613262"/>
+            <a:ext cx="733254" cy="1154898"/>
+          </a:xfrm>
+          <a:prstGeom prst="bentConnector4">
+            <a:avLst>
+              <a:gd name="adj1" fmla="val -24941"/>
+              <a:gd name="adj2" fmla="val 62266"/>
+            </a:avLst>
+          </a:prstGeom>
+          <a:ln w="28575">
+            <a:solidFill>
+              <a:schemeClr val="tx1"/>
+            </a:solidFill>
+            <a:tailEnd type="triangle"/>
+          </a:ln>
+        </p:spPr>
+        <p:style>
+          <a:lnRef idx="1">
+            <a:schemeClr val="accent1"/>
+          </a:lnRef>
+          <a:fillRef idx="0">
+            <a:schemeClr val="accent1"/>
+          </a:fillRef>
+          <a:effectRef idx="0">
+            <a:schemeClr val="accent1"/>
+          </a:effectRef>
+          <a:fontRef idx="minor">
+            <a:schemeClr val="tx1"/>
+          </a:fontRef>
+        </p:style>
+      </p:cxnSp>
+      <p:sp>
+        <p:nvSpPr>
+          <p:cNvPr id="47" name="ZoneTexte 46"/>
+          <p:cNvSpPr txBox="1"/>
+          <p:nvPr/>
+        </p:nvSpPr>
+        <p:spPr>
+          <a:xfrm>
+            <a:off x="3318938" y="4074113"/>
+            <a:ext cx="1723595" cy="437043"/>
+          </a:xfrm>
+          <a:prstGeom prst="rect">
+            <a:avLst/>
+          </a:prstGeom>
+          <a:noFill/>
+        </p:spPr>
+        <p:txBody>
+          <a:bodyPr wrap="square" rtlCol="0">
+            <a:spAutoFit/>
+          </a:bodyPr>
+          <a:lstStyle/>
+          <a:p>
+            <a:r>
+              <a:rPr lang="fr-FR" sz="1120" dirty="0" err="1"/>
+              <a:t>nsel</a:t>
+            </a:r>
+            <a:r>
+              <a:rPr lang="fr-FR" sz="1120" dirty="0"/>
+              <a:t> grains </a:t>
+            </a:r>
+            <a:r>
+              <a:rPr lang="fr-FR" sz="1120" dirty="0"/>
+              <a:t>échantillonnés au hasard</a:t>
+            </a:r>
+            <a:endParaRPr lang="fr-FR" sz="1120" dirty="0"/>
+          </a:p>
+        </p:txBody>
+      </p:sp>
+      <p:cxnSp>
+        <p:nvCxnSpPr>
+          <p:cNvPr id="41" name="Connecteur en angle 40"/>
+          <p:cNvCxnSpPr>
+            <a:stCxn id="123" idx="1"/>
+            <a:endCxn id="120" idx="0"/>
+          </p:cNvCxnSpPr>
+          <p:nvPr/>
+        </p:nvCxnSpPr>
+        <p:spPr>
+          <a:xfrm>
+            <a:off x="4748172" y="2807535"/>
+            <a:ext cx="873489" cy="1969498"/>
+          </a:xfrm>
+          <a:prstGeom prst="bentConnector2">
+            <a:avLst/>
+          </a:prstGeom>
+          <a:ln w="28575">
+            <a:solidFill>
+              <a:schemeClr val="tx1"/>
+            </a:solidFill>
+            <a:tailEnd type="triangle"/>
+          </a:ln>
+        </p:spPr>
+        <p:style>
+          <a:lnRef idx="1">
+            <a:schemeClr val="accent1"/>
+          </a:lnRef>
+          <a:fillRef idx="0">
+            <a:schemeClr val="accent1"/>
+          </a:fillRef>
+          <a:effectRef idx="0">
+            <a:schemeClr val="accent1"/>
+          </a:effectRef>
+          <a:fontRef idx="minor">
+            <a:schemeClr val="tx1"/>
+          </a:fontRef>
+        </p:style>
+      </p:cxnSp>
+    </p:spTree>
+    <p:extLst>
+      <p:ext uri="{BB962C8B-B14F-4D97-AF65-F5344CB8AC3E}">
+        <p14:creationId xmlns:p14="http://schemas.microsoft.com/office/powerpoint/2010/main" val="730266786"/>
       </p:ext>
     </p:extLst>
   </p:cSld>
